--- a/PPT_CA1/Data Management - CA1 - AML Ethics - Student Ciaran Finnegan d21124026 v1-1 200222.pptx
+++ b/PPT_CA1/Data Management - CA1 - AML Ethics - Student Ciaran Finnegan d21124026 v1-1 200222.pptx
@@ -6,20 +6,24 @@
     <p:sldMasterId id="2147483650" r:id="rId2"/>
   </p:sldMasterIdLst>
   <p:notesMasterIdLst>
-    <p:notesMasterId r:id="rId11"/>
+    <p:notesMasterId r:id="rId15"/>
   </p:notesMasterIdLst>
   <p:handoutMasterIdLst>
-    <p:handoutMasterId r:id="rId12"/>
+    <p:handoutMasterId r:id="rId16"/>
   </p:handoutMasterIdLst>
   <p:sldIdLst>
     <p:sldId id="256" r:id="rId3"/>
     <p:sldId id="257" r:id="rId4"/>
     <p:sldId id="259" r:id="rId5"/>
-    <p:sldId id="260" r:id="rId6"/>
-    <p:sldId id="261" r:id="rId7"/>
-    <p:sldId id="262" r:id="rId8"/>
-    <p:sldId id="263" r:id="rId9"/>
-    <p:sldId id="264" r:id="rId10"/>
+    <p:sldId id="266" r:id="rId6"/>
+    <p:sldId id="267" r:id="rId7"/>
+    <p:sldId id="268" r:id="rId8"/>
+    <p:sldId id="269" r:id="rId9"/>
+    <p:sldId id="270" r:id="rId10"/>
+    <p:sldId id="271" r:id="rId11"/>
+    <p:sldId id="272" r:id="rId12"/>
+    <p:sldId id="273" r:id="rId13"/>
+    <p:sldId id="274" r:id="rId14"/>
   </p:sldIdLst>
   <p:sldSz cx="9144000" cy="6858000" type="screen4x3"/>
   <p:notesSz cx="6858000" cy="9144000"/>
@@ -922,6 +926,9 @@
   <p:clrMapOvr>
     <a:masterClrMapping/>
   </p:clrMapOvr>
+  <p:transition spd="slow">
+    <p:fade/>
+  </p:transition>
 </p:sldLayout>
 </file>
 
@@ -1027,6 +1034,9 @@
   <p:clrMapOvr>
     <a:masterClrMapping/>
   </p:clrMapOvr>
+  <p:transition spd="slow">
+    <p:fade/>
+  </p:transition>
 </p:sldLayout>
 </file>
 
@@ -1142,6 +1152,9 @@
   <p:clrMapOvr>
     <a:masterClrMapping/>
   </p:clrMapOvr>
+  <p:transition spd="slow">
+    <p:fade/>
+  </p:transition>
 </p:sldLayout>
 </file>
 
@@ -1343,6 +1356,9 @@
   <p:clrMapOvr>
     <a:masterClrMapping/>
   </p:clrMapOvr>
+  <p:transition spd="slow">
+    <p:fade/>
+  </p:transition>
 </p:sldLayout>
 </file>
 
@@ -1522,6 +1538,9 @@
   <p:clrMapOvr>
     <a:masterClrMapping/>
   </p:clrMapOvr>
+  <p:transition spd="slow">
+    <p:fade/>
+  </p:transition>
 </p:sldLayout>
 </file>
 
@@ -1723,6 +1742,9 @@
   <p:clrMapOvr>
     <a:masterClrMapping/>
   </p:clrMapOvr>
+  <p:transition spd="slow">
+    <p:fade/>
+  </p:transition>
 </p:sldLayout>
 </file>
 
@@ -1964,6 +1986,9 @@
   <p:clrMapOvr>
     <a:masterClrMapping/>
   </p:clrMapOvr>
+  <p:transition spd="slow">
+    <p:fade/>
+  </p:transition>
 </p:sldLayout>
 </file>
 
@@ -2340,6 +2365,9 @@
   <p:clrMapOvr>
     <a:masterClrMapping/>
   </p:clrMapOvr>
+  <p:transition spd="slow">
+    <p:fade/>
+  </p:transition>
 </p:sldLayout>
 </file>
 
@@ -2467,6 +2495,9 @@
   <p:clrMapOvr>
     <a:masterClrMapping/>
   </p:clrMapOvr>
+  <p:transition spd="slow">
+    <p:fade/>
+  </p:transition>
 </p:sldLayout>
 </file>
 
@@ -2571,6 +2602,9 @@
   <p:clrMapOvr>
     <a:masterClrMapping/>
   </p:clrMapOvr>
+  <p:transition spd="slow">
+    <p:fade/>
+  </p:transition>
 </p:sldLayout>
 </file>
 
@@ -2857,6 +2891,9 @@
   <p:clrMapOvr>
     <a:masterClrMapping/>
   </p:clrMapOvr>
+  <p:transition spd="slow">
+    <p:fade/>
+  </p:transition>
 </p:sldLayout>
 </file>
 
@@ -2962,6 +2999,9 @@
   <p:clrMapOvr>
     <a:masterClrMapping/>
   </p:clrMapOvr>
+  <p:transition spd="slow">
+    <p:fade/>
+  </p:transition>
 </p:sldLayout>
 </file>
 
@@ -3224,6 +3264,9 @@
   <p:clrMapOvr>
     <a:masterClrMapping/>
   </p:clrMapOvr>
+  <p:transition spd="slow">
+    <p:fade/>
+  </p:transition>
 </p:sldLayout>
 </file>
 
@@ -3403,6 +3446,9 @@
   <p:clrMapOvr>
     <a:masterClrMapping/>
   </p:clrMapOvr>
+  <p:transition spd="slow">
+    <p:fade/>
+  </p:transition>
 </p:sldLayout>
 </file>
 
@@ -3592,6 +3638,9 @@
   <p:clrMapOvr>
     <a:masterClrMapping/>
   </p:clrMapOvr>
+  <p:transition spd="slow">
+    <p:fade/>
+  </p:transition>
 </p:sldLayout>
 </file>
 
@@ -3719,6 +3768,9 @@
   <p:clrMapOvr>
     <a:masterClrMapping/>
   </p:clrMapOvr>
+  <p:transition spd="slow">
+    <p:fade/>
+  </p:transition>
 </p:sldLayout>
 </file>
 
@@ -3886,6 +3938,9 @@
   <p:clrMapOvr>
     <a:masterClrMapping/>
   </p:clrMapOvr>
+  <p:transition spd="slow">
+    <p:fade/>
+  </p:transition>
 </p:sldLayout>
 </file>
 
@@ -4188,6 +4243,9 @@
   <p:clrMapOvr>
     <a:masterClrMapping/>
   </p:clrMapOvr>
+  <p:transition spd="slow">
+    <p:fade/>
+  </p:transition>
 </p:sldLayout>
 </file>
 
@@ -4241,6 +4299,9 @@
   <p:clrMapOvr>
     <a:masterClrMapping/>
   </p:clrMapOvr>
+  <p:transition spd="slow">
+    <p:fade/>
+  </p:transition>
 </p:sldLayout>
 </file>
 
@@ -4271,6 +4332,9 @@
   <p:clrMapOvr>
     <a:masterClrMapping/>
   </p:clrMapOvr>
+  <p:transition spd="slow">
+    <p:fade/>
+  </p:transition>
 </p:sldLayout>
 </file>
 
@@ -4483,6 +4547,9 @@
   <p:clrMapOvr>
     <a:masterClrMapping/>
   </p:clrMapOvr>
+  <p:transition spd="slow">
+    <p:fade/>
+  </p:transition>
 </p:sldLayout>
 </file>
 
@@ -4675,6 +4742,9 @@
   <p:clrMapOvr>
     <a:masterClrMapping/>
   </p:clrMapOvr>
+  <p:transition spd="slow">
+    <p:fade/>
+  </p:transition>
 </p:sldLayout>
 </file>
 
@@ -4889,6 +4959,9 @@
     <p:sldLayoutId id="2147483659" r:id="rId10"/>
     <p:sldLayoutId id="2147483660" r:id="rId11"/>
   </p:sldLayoutIdLst>
+  <p:transition spd="slow">
+    <p:fade/>
+  </p:transition>
   <p:txStyles>
     <p:titleStyle>
       <a:lvl1pPr algn="r" rtl="0" eaLnBrk="1" fontAlgn="base" hangingPunct="1">
@@ -5719,6 +5792,9 @@
     <p:sldLayoutId id="2147483670" r:id="rId10"/>
     <p:sldLayoutId id="2147483671" r:id="rId11"/>
   </p:sldLayoutIdLst>
+  <p:transition spd="slow">
+    <p:fade/>
+  </p:transition>
   <p:txStyles>
     <p:titleStyle>
       <a:lvl1pPr algn="l" rtl="0" fontAlgn="base">
@@ -6218,6 +6294,1266 @@
   <p:clrMapOvr>
     <a:masterClrMapping/>
   </p:clrMapOvr>
+  <p:transition spd="slow">
+    <p:fade/>
+  </p:transition>
+</p:sld>
+</file>
+
+<file path=ppt/slides/slide10.xml><?xml version="1.0" encoding="utf-8"?>
+<p:sld xmlns:a="http://schemas.openxmlformats.org/drawingml/2006/main" xmlns:r="http://schemas.openxmlformats.org/officeDocument/2006/relationships" xmlns:p="http://schemas.openxmlformats.org/presentationml/2006/main">
+  <p:cSld>
+    <p:spTree>
+      <p:nvGrpSpPr>
+        <p:cNvPr id="1" name=""/>
+        <p:cNvGrpSpPr/>
+        <p:nvPr/>
+      </p:nvGrpSpPr>
+      <p:grpSpPr>
+        <a:xfrm>
+          <a:off x="0" y="0"/>
+          <a:ext cx="0" cy="0"/>
+          <a:chOff x="0" y="0"/>
+          <a:chExt cx="0" cy="0"/>
+        </a:xfrm>
+      </p:grpSpPr>
+      <p:sp>
+        <p:nvSpPr>
+          <p:cNvPr id="195586" name="Rectangle 2"/>
+          <p:cNvSpPr>
+            <a:spLocks noGrp="1" noChangeArrowheads="1"/>
+          </p:cNvSpPr>
+          <p:nvPr>
+            <p:ph type="title"/>
+          </p:nvPr>
+        </p:nvSpPr>
+        <p:spPr>
+          <a:xfrm>
+            <a:off x="1934723" y="152636"/>
+            <a:ext cx="6911975" cy="777875"/>
+          </a:xfrm>
+        </p:spPr>
+        <p:txBody>
+          <a:bodyPr/>
+          <a:lstStyle/>
+          <a:p>
+            <a:r>
+              <a:rPr lang="en-GB"/>
+              <a:t>BAE Digital Intelligence NetReveal</a:t>
+            </a:r>
+            <a:endParaRPr lang="en-US" altLang="en-US" dirty="0"/>
+          </a:p>
+        </p:txBody>
+      </p:sp>
+      <p:sp>
+        <p:nvSpPr>
+          <p:cNvPr id="6" name="Rectangle 3">
+            <a:extLst>
+              <a:ext uri="{FF2B5EF4-FFF2-40B4-BE49-F238E27FC236}">
+                <a16:creationId xmlns:a16="http://schemas.microsoft.com/office/drawing/2014/main" id="{232DFA49-7D4F-4AEA-82DE-BCC12841DACA}"/>
+              </a:ext>
+            </a:extLst>
+          </p:cNvPr>
+          <p:cNvSpPr txBox="1">
+            <a:spLocks noChangeArrowheads="1"/>
+          </p:cNvSpPr>
+          <p:nvPr/>
+        </p:nvSpPr>
+        <p:spPr bwMode="auto">
+          <a:xfrm>
+            <a:off x="6228184" y="1052736"/>
+            <a:ext cx="2735508" cy="5652628"/>
+          </a:xfrm>
+          <a:prstGeom prst="rect">
+            <a:avLst/>
+          </a:prstGeom>
+          <a:noFill/>
+          <a:ln>
+            <a:noFill/>
+          </a:ln>
+          <a:effectLst/>
+          <a:extLst>
+            <a:ext uri="{909E8E84-426E-40DD-AFC4-6F175D3DCCD1}">
+              <a14:hiddenFill xmlns:a14="http://schemas.microsoft.com/office/drawing/2010/main">
+                <a:solidFill>
+                  <a:schemeClr val="accent1"/>
+                </a:solidFill>
+              </a14:hiddenFill>
+            </a:ext>
+            <a:ext uri="{91240B29-F687-4F45-9708-019B960494DF}">
+              <a14:hiddenLine xmlns:a14="http://schemas.microsoft.com/office/drawing/2010/main" w="9525">
+                <a:solidFill>
+                  <a:schemeClr val="tx1"/>
+                </a:solidFill>
+                <a:miter lim="800000"/>
+                <a:headEnd/>
+                <a:tailEnd/>
+              </a14:hiddenLine>
+            </a:ext>
+            <a:ext uri="{AF507438-7753-43E0-B8FC-AC1667EBCBE1}">
+              <a14:hiddenEffects xmlns:a14="http://schemas.microsoft.com/office/drawing/2010/main">
+                <a:effectLst>
+                  <a:outerShdw dist="35921" dir="2700000" algn="ctr" rotWithShape="0">
+                    <a:schemeClr val="bg2"/>
+                  </a:outerShdw>
+                </a:effectLst>
+              </a14:hiddenEffects>
+            </a:ext>
+          </a:extLst>
+        </p:spPr>
+        <p:txBody>
+          <a:bodyPr vert="horz" wrap="square" lIns="91440" tIns="45720" rIns="91440" bIns="45720" numCol="1" anchor="t" anchorCtr="0" compatLnSpc="1">
+            <a:prstTxWarp prst="textNoShape">
+              <a:avLst/>
+            </a:prstTxWarp>
+          </a:bodyPr>
+          <a:lstStyle>
+            <a:lvl1pPr marL="342900" indent="-342900" algn="l" rtl="0" fontAlgn="base">
+              <a:spcBef>
+                <a:spcPct val="20000"/>
+              </a:spcBef>
+              <a:spcAft>
+                <a:spcPct val="0"/>
+              </a:spcAft>
+              <a:buChar char="•"/>
+              <a:defRPr sz="2000" kern="1200">
+                <a:solidFill>
+                  <a:srgbClr val="666666"/>
+                </a:solidFill>
+                <a:latin typeface="+mn-lt"/>
+                <a:ea typeface="+mn-ea"/>
+                <a:cs typeface="+mn-cs"/>
+              </a:defRPr>
+            </a:lvl1pPr>
+            <a:lvl2pPr marL="742950" indent="-285750" algn="l" rtl="0" fontAlgn="base">
+              <a:spcBef>
+                <a:spcPct val="20000"/>
+              </a:spcBef>
+              <a:spcAft>
+                <a:spcPct val="0"/>
+              </a:spcAft>
+              <a:buChar char="–"/>
+              <a:defRPr sz="2000" kern="1200">
+                <a:solidFill>
+                  <a:srgbClr val="666666"/>
+                </a:solidFill>
+                <a:latin typeface="+mn-lt"/>
+                <a:ea typeface="+mn-ea"/>
+                <a:cs typeface="+mn-cs"/>
+              </a:defRPr>
+            </a:lvl2pPr>
+            <a:lvl3pPr marL="1143000" indent="-228600" algn="l" rtl="0" fontAlgn="base">
+              <a:spcBef>
+                <a:spcPct val="20000"/>
+              </a:spcBef>
+              <a:spcAft>
+                <a:spcPct val="0"/>
+              </a:spcAft>
+              <a:buChar char="•"/>
+              <a:defRPr sz="2000" kern="1200">
+                <a:solidFill>
+                  <a:srgbClr val="666666"/>
+                </a:solidFill>
+                <a:latin typeface="+mn-lt"/>
+                <a:ea typeface="+mn-ea"/>
+                <a:cs typeface="+mn-cs"/>
+              </a:defRPr>
+            </a:lvl3pPr>
+            <a:lvl4pPr marL="1600200" indent="-228600" algn="l" rtl="0" fontAlgn="base">
+              <a:spcBef>
+                <a:spcPct val="20000"/>
+              </a:spcBef>
+              <a:spcAft>
+                <a:spcPct val="0"/>
+              </a:spcAft>
+              <a:buChar char="–"/>
+              <a:defRPr sz="2000" kern="1200">
+                <a:solidFill>
+                  <a:srgbClr val="666666"/>
+                </a:solidFill>
+                <a:latin typeface="+mn-lt"/>
+                <a:ea typeface="+mn-ea"/>
+                <a:cs typeface="+mn-cs"/>
+              </a:defRPr>
+            </a:lvl4pPr>
+            <a:lvl5pPr marL="2057400" indent="-228600" algn="l" rtl="0" fontAlgn="base">
+              <a:spcBef>
+                <a:spcPct val="20000"/>
+              </a:spcBef>
+              <a:spcAft>
+                <a:spcPct val="0"/>
+              </a:spcAft>
+              <a:buChar char="»"/>
+              <a:defRPr sz="2000" kern="1200">
+                <a:solidFill>
+                  <a:srgbClr val="666666"/>
+                </a:solidFill>
+                <a:latin typeface="+mn-lt"/>
+                <a:ea typeface="+mn-ea"/>
+                <a:cs typeface="+mn-cs"/>
+              </a:defRPr>
+            </a:lvl5pPr>
+            <a:lvl6pPr marL="2514600" indent="-228600" algn="l" defTabSz="914400" rtl="0" eaLnBrk="1" latinLnBrk="0" hangingPunct="1">
+              <a:lnSpc>
+                <a:spcPct val="90000"/>
+              </a:lnSpc>
+              <a:spcBef>
+                <a:spcPts val="500"/>
+              </a:spcBef>
+              <a:buFont typeface="Arial" panose="020B0604020202020204" pitchFamily="34" charset="0"/>
+              <a:buChar char="•"/>
+              <a:defRPr sz="1800" kern="1200">
+                <a:solidFill>
+                  <a:schemeClr val="tx1"/>
+                </a:solidFill>
+                <a:latin typeface="+mn-lt"/>
+                <a:ea typeface="+mn-ea"/>
+                <a:cs typeface="+mn-cs"/>
+              </a:defRPr>
+            </a:lvl6pPr>
+            <a:lvl7pPr marL="2971800" indent="-228600" algn="l" defTabSz="914400" rtl="0" eaLnBrk="1" latinLnBrk="0" hangingPunct="1">
+              <a:lnSpc>
+                <a:spcPct val="90000"/>
+              </a:lnSpc>
+              <a:spcBef>
+                <a:spcPts val="500"/>
+              </a:spcBef>
+              <a:buFont typeface="Arial" panose="020B0604020202020204" pitchFamily="34" charset="0"/>
+              <a:buChar char="•"/>
+              <a:defRPr sz="1800" kern="1200">
+                <a:solidFill>
+                  <a:schemeClr val="tx1"/>
+                </a:solidFill>
+                <a:latin typeface="+mn-lt"/>
+                <a:ea typeface="+mn-ea"/>
+                <a:cs typeface="+mn-cs"/>
+              </a:defRPr>
+            </a:lvl7pPr>
+            <a:lvl8pPr marL="3429000" indent="-228600" algn="l" defTabSz="914400" rtl="0" eaLnBrk="1" latinLnBrk="0" hangingPunct="1">
+              <a:lnSpc>
+                <a:spcPct val="90000"/>
+              </a:lnSpc>
+              <a:spcBef>
+                <a:spcPts val="500"/>
+              </a:spcBef>
+              <a:buFont typeface="Arial" panose="020B0604020202020204" pitchFamily="34" charset="0"/>
+              <a:buChar char="•"/>
+              <a:defRPr sz="1800" kern="1200">
+                <a:solidFill>
+                  <a:schemeClr val="tx1"/>
+                </a:solidFill>
+                <a:latin typeface="+mn-lt"/>
+                <a:ea typeface="+mn-ea"/>
+                <a:cs typeface="+mn-cs"/>
+              </a:defRPr>
+            </a:lvl8pPr>
+            <a:lvl9pPr marL="3886200" indent="-228600" algn="l" defTabSz="914400" rtl="0" eaLnBrk="1" latinLnBrk="0" hangingPunct="1">
+              <a:lnSpc>
+                <a:spcPct val="90000"/>
+              </a:lnSpc>
+              <a:spcBef>
+                <a:spcPts val="500"/>
+              </a:spcBef>
+              <a:buFont typeface="Arial" panose="020B0604020202020204" pitchFamily="34" charset="0"/>
+              <a:buChar char="•"/>
+              <a:defRPr sz="1800" kern="1200">
+                <a:solidFill>
+                  <a:schemeClr val="tx1"/>
+                </a:solidFill>
+                <a:latin typeface="+mn-lt"/>
+                <a:ea typeface="+mn-ea"/>
+                <a:cs typeface="+mn-cs"/>
+              </a:defRPr>
+            </a:lvl9pPr>
+          </a:lstStyle>
+          <a:p>
+            <a:pPr marL="0" indent="0">
+              <a:lnSpc>
+                <a:spcPct val="90000"/>
+              </a:lnSpc>
+              <a:buNone/>
+            </a:pPr>
+            <a:r>
+              <a:rPr lang="en-IE" altLang="en-US" b="1" dirty="0">
+                <a:ea typeface="굴림" charset="-127"/>
+              </a:rPr>
+              <a:t>Good Practice</a:t>
+            </a:r>
+          </a:p>
+          <a:p>
+            <a:pPr>
+              <a:lnSpc>
+                <a:spcPct val="90000"/>
+              </a:lnSpc>
+            </a:pPr>
+            <a:endParaRPr lang="en-IE" altLang="en-US" sz="1800" dirty="0">
+              <a:ea typeface="굴림" charset="-127"/>
+            </a:endParaRPr>
+          </a:p>
+          <a:p>
+            <a:pPr>
+              <a:lnSpc>
+                <a:spcPct val="90000"/>
+              </a:lnSpc>
+            </a:pPr>
+            <a:r>
+              <a:rPr lang="en-IE" altLang="en-US" sz="1800" dirty="0">
+                <a:ea typeface="굴림" charset="-127"/>
+              </a:rPr>
+              <a:t>Blah...</a:t>
+            </a:r>
+          </a:p>
+          <a:p>
+            <a:pPr>
+              <a:lnSpc>
+                <a:spcPct val="90000"/>
+              </a:lnSpc>
+            </a:pPr>
+            <a:endParaRPr lang="en-IE" altLang="en-US" sz="1800" dirty="0">
+              <a:ea typeface="굴림" charset="-127"/>
+            </a:endParaRPr>
+          </a:p>
+          <a:p>
+            <a:pPr>
+              <a:lnSpc>
+                <a:spcPct val="90000"/>
+              </a:lnSpc>
+            </a:pPr>
+            <a:r>
+              <a:rPr lang="en-GB" sz="1800" dirty="0"/>
+              <a:t>Slide .. Highlighting any areas of good practice.</a:t>
+            </a:r>
+          </a:p>
+          <a:p>
+            <a:pPr>
+              <a:lnSpc>
+                <a:spcPct val="90000"/>
+              </a:lnSpc>
+            </a:pPr>
+            <a:endParaRPr lang="en-IE" altLang="en-US" sz="1800" dirty="0">
+              <a:ea typeface="굴림" charset="-127"/>
+            </a:endParaRPr>
+          </a:p>
+          <a:p>
+            <a:pPr>
+              <a:lnSpc>
+                <a:spcPct val="90000"/>
+              </a:lnSpc>
+            </a:pPr>
+            <a:endParaRPr lang="en-IE" altLang="en-US" sz="1800" dirty="0">
+              <a:ea typeface="굴림" charset="-127"/>
+            </a:endParaRPr>
+          </a:p>
+          <a:p>
+            <a:pPr marL="0" indent="0">
+              <a:lnSpc>
+                <a:spcPct val="90000"/>
+              </a:lnSpc>
+              <a:buNone/>
+            </a:pPr>
+            <a:endParaRPr lang="uk-UA" altLang="en-US" sz="1800" dirty="0"/>
+          </a:p>
+          <a:p>
+            <a:pPr marL="0" indent="0">
+              <a:lnSpc>
+                <a:spcPct val="90000"/>
+              </a:lnSpc>
+              <a:buNone/>
+            </a:pPr>
+            <a:endParaRPr lang="en-US" altLang="en-US" sz="1800" dirty="0"/>
+          </a:p>
+        </p:txBody>
+      </p:sp>
+      <p:pic>
+        <p:nvPicPr>
+          <p:cNvPr id="3" name="Picture 2" descr="Text&#10;&#10;Description automatically generated with medium confidence">
+            <a:extLst>
+              <a:ext uri="{FF2B5EF4-FFF2-40B4-BE49-F238E27FC236}">
+                <a16:creationId xmlns:a16="http://schemas.microsoft.com/office/drawing/2014/main" id="{9724DEAD-AEE8-481D-97FC-0C6584488FA7}"/>
+              </a:ext>
+            </a:extLst>
+          </p:cNvPr>
+          <p:cNvPicPr>
+            <a:picLocks noChangeAspect="1"/>
+          </p:cNvPicPr>
+          <p:nvPr/>
+        </p:nvPicPr>
+        <p:blipFill>
+          <a:blip r:embed="rId2">
+            <a:extLst>
+              <a:ext uri="{28A0092B-C50C-407E-A947-70E740481C1C}">
+                <a14:useLocalDpi xmlns:a14="http://schemas.microsoft.com/office/drawing/2010/main" val="0"/>
+              </a:ext>
+            </a:extLst>
+          </a:blip>
+          <a:stretch>
+            <a:fillRect/>
+          </a:stretch>
+        </p:blipFill>
+        <p:spPr>
+          <a:xfrm>
+            <a:off x="2123728" y="2420888"/>
+            <a:ext cx="3816424" cy="3819525"/>
+          </a:xfrm>
+          <a:prstGeom prst="rect">
+            <a:avLst/>
+          </a:prstGeom>
+        </p:spPr>
+      </p:pic>
+      <p:pic>
+        <p:nvPicPr>
+          <p:cNvPr id="7" name="Picture 6" descr="A picture containing text, sign&#10;&#10;Description automatically generated">
+            <a:extLst>
+              <a:ext uri="{FF2B5EF4-FFF2-40B4-BE49-F238E27FC236}">
+                <a16:creationId xmlns:a16="http://schemas.microsoft.com/office/drawing/2014/main" id="{FF38439F-ADE7-4B19-B04F-4A3F47803F58}"/>
+              </a:ext>
+            </a:extLst>
+          </p:cNvPr>
+          <p:cNvPicPr>
+            <a:picLocks noChangeAspect="1"/>
+          </p:cNvPicPr>
+          <p:nvPr/>
+        </p:nvPicPr>
+        <p:blipFill>
+          <a:blip r:embed="rId3" cstate="print">
+            <a:extLst>
+              <a:ext uri="{28A0092B-C50C-407E-A947-70E740481C1C}">
+                <a14:useLocalDpi xmlns:a14="http://schemas.microsoft.com/office/drawing/2010/main" val="0"/>
+              </a:ext>
+            </a:extLst>
+          </a:blip>
+          <a:stretch>
+            <a:fillRect/>
+          </a:stretch>
+        </p:blipFill>
+        <p:spPr>
+          <a:xfrm>
+            <a:off x="1934722" y="1484783"/>
+            <a:ext cx="1629165" cy="1629165"/>
+          </a:xfrm>
+          <a:prstGeom prst="rect">
+            <a:avLst/>
+          </a:prstGeom>
+        </p:spPr>
+      </p:pic>
+    </p:spTree>
+    <p:extLst>
+      <p:ext uri="{BB962C8B-B14F-4D97-AF65-F5344CB8AC3E}">
+        <p14:creationId xmlns:p14="http://schemas.microsoft.com/office/powerpoint/2010/main" val="926698867"/>
+      </p:ext>
+    </p:extLst>
+  </p:cSld>
+  <p:clrMapOvr>
+    <a:masterClrMapping/>
+  </p:clrMapOvr>
+  <p:transition spd="slow">
+    <p:fade/>
+  </p:transition>
+</p:sld>
+</file>
+
+<file path=ppt/slides/slide11.xml><?xml version="1.0" encoding="utf-8"?>
+<p:sld xmlns:a="http://schemas.openxmlformats.org/drawingml/2006/main" xmlns:r="http://schemas.openxmlformats.org/officeDocument/2006/relationships" xmlns:p="http://schemas.openxmlformats.org/presentationml/2006/main">
+  <p:cSld>
+    <p:spTree>
+      <p:nvGrpSpPr>
+        <p:cNvPr id="1" name=""/>
+        <p:cNvGrpSpPr/>
+        <p:nvPr/>
+      </p:nvGrpSpPr>
+      <p:grpSpPr>
+        <a:xfrm>
+          <a:off x="0" y="0"/>
+          <a:ext cx="0" cy="0"/>
+          <a:chOff x="0" y="0"/>
+          <a:chExt cx="0" cy="0"/>
+        </a:xfrm>
+      </p:grpSpPr>
+      <p:sp>
+        <p:nvSpPr>
+          <p:cNvPr id="195586" name="Rectangle 2"/>
+          <p:cNvSpPr>
+            <a:spLocks noGrp="1" noChangeArrowheads="1"/>
+          </p:cNvSpPr>
+          <p:nvPr>
+            <p:ph type="title"/>
+          </p:nvPr>
+        </p:nvSpPr>
+        <p:spPr>
+          <a:xfrm>
+            <a:off x="1934723" y="152636"/>
+            <a:ext cx="6911975" cy="777875"/>
+          </a:xfrm>
+        </p:spPr>
+        <p:txBody>
+          <a:bodyPr/>
+          <a:lstStyle/>
+          <a:p>
+            <a:r>
+              <a:rPr lang="en-GB"/>
+              <a:t>BAE Digital Intelligence NetReveal</a:t>
+            </a:r>
+            <a:endParaRPr lang="en-US" altLang="en-US" dirty="0"/>
+          </a:p>
+        </p:txBody>
+      </p:sp>
+      <p:sp>
+        <p:nvSpPr>
+          <p:cNvPr id="6" name="Rectangle 3">
+            <a:extLst>
+              <a:ext uri="{FF2B5EF4-FFF2-40B4-BE49-F238E27FC236}">
+                <a16:creationId xmlns:a16="http://schemas.microsoft.com/office/drawing/2014/main" id="{232DFA49-7D4F-4AEA-82DE-BCC12841DACA}"/>
+              </a:ext>
+            </a:extLst>
+          </p:cNvPr>
+          <p:cNvSpPr txBox="1">
+            <a:spLocks noChangeArrowheads="1"/>
+          </p:cNvSpPr>
+          <p:nvPr/>
+        </p:nvSpPr>
+        <p:spPr bwMode="auto">
+          <a:xfrm>
+            <a:off x="6228184" y="1052736"/>
+            <a:ext cx="2735508" cy="5652628"/>
+          </a:xfrm>
+          <a:prstGeom prst="rect">
+            <a:avLst/>
+          </a:prstGeom>
+          <a:noFill/>
+          <a:ln>
+            <a:noFill/>
+          </a:ln>
+          <a:effectLst/>
+          <a:extLst>
+            <a:ext uri="{909E8E84-426E-40DD-AFC4-6F175D3DCCD1}">
+              <a14:hiddenFill xmlns:a14="http://schemas.microsoft.com/office/drawing/2010/main">
+                <a:solidFill>
+                  <a:schemeClr val="accent1"/>
+                </a:solidFill>
+              </a14:hiddenFill>
+            </a:ext>
+            <a:ext uri="{91240B29-F687-4F45-9708-019B960494DF}">
+              <a14:hiddenLine xmlns:a14="http://schemas.microsoft.com/office/drawing/2010/main" w="9525">
+                <a:solidFill>
+                  <a:schemeClr val="tx1"/>
+                </a:solidFill>
+                <a:miter lim="800000"/>
+                <a:headEnd/>
+                <a:tailEnd/>
+              </a14:hiddenLine>
+            </a:ext>
+            <a:ext uri="{AF507438-7753-43E0-B8FC-AC1667EBCBE1}">
+              <a14:hiddenEffects xmlns:a14="http://schemas.microsoft.com/office/drawing/2010/main">
+                <a:effectLst>
+                  <a:outerShdw dist="35921" dir="2700000" algn="ctr" rotWithShape="0">
+                    <a:schemeClr val="bg2"/>
+                  </a:outerShdw>
+                </a:effectLst>
+              </a14:hiddenEffects>
+            </a:ext>
+          </a:extLst>
+        </p:spPr>
+        <p:txBody>
+          <a:bodyPr vert="horz" wrap="square" lIns="91440" tIns="45720" rIns="91440" bIns="45720" numCol="1" anchor="t" anchorCtr="0" compatLnSpc="1">
+            <a:prstTxWarp prst="textNoShape">
+              <a:avLst/>
+            </a:prstTxWarp>
+          </a:bodyPr>
+          <a:lstStyle>
+            <a:lvl1pPr marL="342900" indent="-342900" algn="l" rtl="0" fontAlgn="base">
+              <a:spcBef>
+                <a:spcPct val="20000"/>
+              </a:spcBef>
+              <a:spcAft>
+                <a:spcPct val="0"/>
+              </a:spcAft>
+              <a:buChar char="•"/>
+              <a:defRPr sz="2000" kern="1200">
+                <a:solidFill>
+                  <a:srgbClr val="666666"/>
+                </a:solidFill>
+                <a:latin typeface="+mn-lt"/>
+                <a:ea typeface="+mn-ea"/>
+                <a:cs typeface="+mn-cs"/>
+              </a:defRPr>
+            </a:lvl1pPr>
+            <a:lvl2pPr marL="742950" indent="-285750" algn="l" rtl="0" fontAlgn="base">
+              <a:spcBef>
+                <a:spcPct val="20000"/>
+              </a:spcBef>
+              <a:spcAft>
+                <a:spcPct val="0"/>
+              </a:spcAft>
+              <a:buChar char="–"/>
+              <a:defRPr sz="2000" kern="1200">
+                <a:solidFill>
+                  <a:srgbClr val="666666"/>
+                </a:solidFill>
+                <a:latin typeface="+mn-lt"/>
+                <a:ea typeface="+mn-ea"/>
+                <a:cs typeface="+mn-cs"/>
+              </a:defRPr>
+            </a:lvl2pPr>
+            <a:lvl3pPr marL="1143000" indent="-228600" algn="l" rtl="0" fontAlgn="base">
+              <a:spcBef>
+                <a:spcPct val="20000"/>
+              </a:spcBef>
+              <a:spcAft>
+                <a:spcPct val="0"/>
+              </a:spcAft>
+              <a:buChar char="•"/>
+              <a:defRPr sz="2000" kern="1200">
+                <a:solidFill>
+                  <a:srgbClr val="666666"/>
+                </a:solidFill>
+                <a:latin typeface="+mn-lt"/>
+                <a:ea typeface="+mn-ea"/>
+                <a:cs typeface="+mn-cs"/>
+              </a:defRPr>
+            </a:lvl3pPr>
+            <a:lvl4pPr marL="1600200" indent="-228600" algn="l" rtl="0" fontAlgn="base">
+              <a:spcBef>
+                <a:spcPct val="20000"/>
+              </a:spcBef>
+              <a:spcAft>
+                <a:spcPct val="0"/>
+              </a:spcAft>
+              <a:buChar char="–"/>
+              <a:defRPr sz="2000" kern="1200">
+                <a:solidFill>
+                  <a:srgbClr val="666666"/>
+                </a:solidFill>
+                <a:latin typeface="+mn-lt"/>
+                <a:ea typeface="+mn-ea"/>
+                <a:cs typeface="+mn-cs"/>
+              </a:defRPr>
+            </a:lvl4pPr>
+            <a:lvl5pPr marL="2057400" indent="-228600" algn="l" rtl="0" fontAlgn="base">
+              <a:spcBef>
+                <a:spcPct val="20000"/>
+              </a:spcBef>
+              <a:spcAft>
+                <a:spcPct val="0"/>
+              </a:spcAft>
+              <a:buChar char="»"/>
+              <a:defRPr sz="2000" kern="1200">
+                <a:solidFill>
+                  <a:srgbClr val="666666"/>
+                </a:solidFill>
+                <a:latin typeface="+mn-lt"/>
+                <a:ea typeface="+mn-ea"/>
+                <a:cs typeface="+mn-cs"/>
+              </a:defRPr>
+            </a:lvl5pPr>
+            <a:lvl6pPr marL="2514600" indent="-228600" algn="l" defTabSz="914400" rtl="0" eaLnBrk="1" latinLnBrk="0" hangingPunct="1">
+              <a:lnSpc>
+                <a:spcPct val="90000"/>
+              </a:lnSpc>
+              <a:spcBef>
+                <a:spcPts val="500"/>
+              </a:spcBef>
+              <a:buFont typeface="Arial" panose="020B0604020202020204" pitchFamily="34" charset="0"/>
+              <a:buChar char="•"/>
+              <a:defRPr sz="1800" kern="1200">
+                <a:solidFill>
+                  <a:schemeClr val="tx1"/>
+                </a:solidFill>
+                <a:latin typeface="+mn-lt"/>
+                <a:ea typeface="+mn-ea"/>
+                <a:cs typeface="+mn-cs"/>
+              </a:defRPr>
+            </a:lvl6pPr>
+            <a:lvl7pPr marL="2971800" indent="-228600" algn="l" defTabSz="914400" rtl="0" eaLnBrk="1" latinLnBrk="0" hangingPunct="1">
+              <a:lnSpc>
+                <a:spcPct val="90000"/>
+              </a:lnSpc>
+              <a:spcBef>
+                <a:spcPts val="500"/>
+              </a:spcBef>
+              <a:buFont typeface="Arial" panose="020B0604020202020204" pitchFamily="34" charset="0"/>
+              <a:buChar char="•"/>
+              <a:defRPr sz="1800" kern="1200">
+                <a:solidFill>
+                  <a:schemeClr val="tx1"/>
+                </a:solidFill>
+                <a:latin typeface="+mn-lt"/>
+                <a:ea typeface="+mn-ea"/>
+                <a:cs typeface="+mn-cs"/>
+              </a:defRPr>
+            </a:lvl7pPr>
+            <a:lvl8pPr marL="3429000" indent="-228600" algn="l" defTabSz="914400" rtl="0" eaLnBrk="1" latinLnBrk="0" hangingPunct="1">
+              <a:lnSpc>
+                <a:spcPct val="90000"/>
+              </a:lnSpc>
+              <a:spcBef>
+                <a:spcPts val="500"/>
+              </a:spcBef>
+              <a:buFont typeface="Arial" panose="020B0604020202020204" pitchFamily="34" charset="0"/>
+              <a:buChar char="•"/>
+              <a:defRPr sz="1800" kern="1200">
+                <a:solidFill>
+                  <a:schemeClr val="tx1"/>
+                </a:solidFill>
+                <a:latin typeface="+mn-lt"/>
+                <a:ea typeface="+mn-ea"/>
+                <a:cs typeface="+mn-cs"/>
+              </a:defRPr>
+            </a:lvl8pPr>
+            <a:lvl9pPr marL="3886200" indent="-228600" algn="l" defTabSz="914400" rtl="0" eaLnBrk="1" latinLnBrk="0" hangingPunct="1">
+              <a:lnSpc>
+                <a:spcPct val="90000"/>
+              </a:lnSpc>
+              <a:spcBef>
+                <a:spcPts val="500"/>
+              </a:spcBef>
+              <a:buFont typeface="Arial" panose="020B0604020202020204" pitchFamily="34" charset="0"/>
+              <a:buChar char="•"/>
+              <a:defRPr sz="1800" kern="1200">
+                <a:solidFill>
+                  <a:schemeClr val="tx1"/>
+                </a:solidFill>
+                <a:latin typeface="+mn-lt"/>
+                <a:ea typeface="+mn-ea"/>
+                <a:cs typeface="+mn-cs"/>
+              </a:defRPr>
+            </a:lvl9pPr>
+          </a:lstStyle>
+          <a:p>
+            <a:pPr marL="0" indent="0">
+              <a:lnSpc>
+                <a:spcPct val="90000"/>
+              </a:lnSpc>
+              <a:buNone/>
+            </a:pPr>
+            <a:r>
+              <a:rPr lang="en-IE" altLang="en-US" b="1" dirty="0">
+                <a:ea typeface="굴림" charset="-127"/>
+              </a:rPr>
+              <a:t>Concerns</a:t>
+            </a:r>
+          </a:p>
+          <a:p>
+            <a:pPr>
+              <a:lnSpc>
+                <a:spcPct val="90000"/>
+              </a:lnSpc>
+            </a:pPr>
+            <a:endParaRPr lang="en-IE" altLang="en-US" sz="1800" dirty="0">
+              <a:ea typeface="굴림" charset="-127"/>
+            </a:endParaRPr>
+          </a:p>
+          <a:p>
+            <a:pPr>
+              <a:lnSpc>
+                <a:spcPct val="90000"/>
+              </a:lnSpc>
+            </a:pPr>
+            <a:r>
+              <a:rPr lang="en-IE" altLang="en-US" sz="1800" dirty="0">
+                <a:ea typeface="굴림" charset="-127"/>
+              </a:rPr>
+              <a:t>Blah...</a:t>
+            </a:r>
+          </a:p>
+          <a:p>
+            <a:pPr>
+              <a:lnSpc>
+                <a:spcPct val="90000"/>
+              </a:lnSpc>
+            </a:pPr>
+            <a:endParaRPr lang="en-IE" altLang="en-US" sz="1800" dirty="0">
+              <a:ea typeface="굴림" charset="-127"/>
+            </a:endParaRPr>
+          </a:p>
+          <a:p>
+            <a:pPr>
+              <a:lnSpc>
+                <a:spcPct val="90000"/>
+              </a:lnSpc>
+            </a:pPr>
+            <a:r>
+              <a:rPr lang="en-GB" sz="1800" dirty="0"/>
+              <a:t>Slide .. Highlighting any areas of good practice.</a:t>
+            </a:r>
+          </a:p>
+          <a:p>
+            <a:pPr>
+              <a:lnSpc>
+                <a:spcPct val="90000"/>
+              </a:lnSpc>
+            </a:pPr>
+            <a:endParaRPr lang="en-IE" altLang="en-US" sz="1800" dirty="0">
+              <a:ea typeface="굴림" charset="-127"/>
+            </a:endParaRPr>
+          </a:p>
+          <a:p>
+            <a:pPr>
+              <a:lnSpc>
+                <a:spcPct val="90000"/>
+              </a:lnSpc>
+            </a:pPr>
+            <a:endParaRPr lang="en-IE" altLang="en-US" sz="1800" dirty="0">
+              <a:ea typeface="굴림" charset="-127"/>
+            </a:endParaRPr>
+          </a:p>
+          <a:p>
+            <a:pPr marL="0" indent="0">
+              <a:lnSpc>
+                <a:spcPct val="90000"/>
+              </a:lnSpc>
+              <a:buNone/>
+            </a:pPr>
+            <a:endParaRPr lang="uk-UA" altLang="en-US" sz="1800" dirty="0"/>
+          </a:p>
+          <a:p>
+            <a:pPr marL="0" indent="0">
+              <a:lnSpc>
+                <a:spcPct val="90000"/>
+              </a:lnSpc>
+              <a:buNone/>
+            </a:pPr>
+            <a:endParaRPr lang="en-US" altLang="en-US" sz="1800" dirty="0"/>
+          </a:p>
+        </p:txBody>
+      </p:sp>
+      <p:pic>
+        <p:nvPicPr>
+          <p:cNvPr id="3" name="Picture 2" descr="Text&#10;&#10;Description automatically generated with medium confidence">
+            <a:extLst>
+              <a:ext uri="{FF2B5EF4-FFF2-40B4-BE49-F238E27FC236}">
+                <a16:creationId xmlns:a16="http://schemas.microsoft.com/office/drawing/2014/main" id="{9724DEAD-AEE8-481D-97FC-0C6584488FA7}"/>
+              </a:ext>
+            </a:extLst>
+          </p:cNvPr>
+          <p:cNvPicPr>
+            <a:picLocks noChangeAspect="1"/>
+          </p:cNvPicPr>
+          <p:nvPr/>
+        </p:nvPicPr>
+        <p:blipFill>
+          <a:blip r:embed="rId2">
+            <a:extLst>
+              <a:ext uri="{28A0092B-C50C-407E-A947-70E740481C1C}">
+                <a14:useLocalDpi xmlns:a14="http://schemas.microsoft.com/office/drawing/2010/main" val="0"/>
+              </a:ext>
+            </a:extLst>
+          </a:blip>
+          <a:stretch>
+            <a:fillRect/>
+          </a:stretch>
+        </p:blipFill>
+        <p:spPr>
+          <a:xfrm>
+            <a:off x="2123728" y="2420888"/>
+            <a:ext cx="3816424" cy="3819525"/>
+          </a:xfrm>
+          <a:prstGeom prst="rect">
+            <a:avLst/>
+          </a:prstGeom>
+        </p:spPr>
+      </p:pic>
+      <p:pic>
+        <p:nvPicPr>
+          <p:cNvPr id="4" name="Picture 3">
+            <a:extLst>
+              <a:ext uri="{FF2B5EF4-FFF2-40B4-BE49-F238E27FC236}">
+                <a16:creationId xmlns:a16="http://schemas.microsoft.com/office/drawing/2014/main" id="{9C8417E0-37B3-4B4B-96EC-7CED024A2B43}"/>
+              </a:ext>
+            </a:extLst>
+          </p:cNvPr>
+          <p:cNvPicPr>
+            <a:picLocks noChangeAspect="1"/>
+          </p:cNvPicPr>
+          <p:nvPr/>
+        </p:nvPicPr>
+        <p:blipFill>
+          <a:blip r:embed="rId3" cstate="print">
+            <a:extLst>
+              <a:ext uri="{28A0092B-C50C-407E-A947-70E740481C1C}">
+                <a14:useLocalDpi xmlns:a14="http://schemas.microsoft.com/office/drawing/2010/main" val="0"/>
+              </a:ext>
+            </a:extLst>
+          </a:blip>
+          <a:stretch>
+            <a:fillRect/>
+          </a:stretch>
+        </p:blipFill>
+        <p:spPr>
+          <a:xfrm>
+            <a:off x="1907753" y="1484784"/>
+            <a:ext cx="2277237" cy="1400944"/>
+          </a:xfrm>
+          <a:prstGeom prst="rect">
+            <a:avLst/>
+          </a:prstGeom>
+        </p:spPr>
+      </p:pic>
+    </p:spTree>
+    <p:extLst>
+      <p:ext uri="{BB962C8B-B14F-4D97-AF65-F5344CB8AC3E}">
+        <p14:creationId xmlns:p14="http://schemas.microsoft.com/office/powerpoint/2010/main" val="2737249559"/>
+      </p:ext>
+    </p:extLst>
+  </p:cSld>
+  <p:clrMapOvr>
+    <a:masterClrMapping/>
+  </p:clrMapOvr>
+  <p:transition spd="slow">
+    <p:fade/>
+  </p:transition>
+</p:sld>
+</file>
+
+<file path=ppt/slides/slide12.xml><?xml version="1.0" encoding="utf-8"?>
+<p:sld xmlns:a="http://schemas.openxmlformats.org/drawingml/2006/main" xmlns:r="http://schemas.openxmlformats.org/officeDocument/2006/relationships" xmlns:p="http://schemas.openxmlformats.org/presentationml/2006/main">
+  <p:cSld>
+    <p:spTree>
+      <p:nvGrpSpPr>
+        <p:cNvPr id="1" name=""/>
+        <p:cNvGrpSpPr/>
+        <p:nvPr/>
+      </p:nvGrpSpPr>
+      <p:grpSpPr>
+        <a:xfrm>
+          <a:off x="0" y="0"/>
+          <a:ext cx="0" cy="0"/>
+          <a:chOff x="0" y="0"/>
+          <a:chExt cx="0" cy="0"/>
+        </a:xfrm>
+      </p:grpSpPr>
+      <p:sp>
+        <p:nvSpPr>
+          <p:cNvPr id="195586" name="Rectangle 2"/>
+          <p:cNvSpPr>
+            <a:spLocks noGrp="1" noChangeArrowheads="1"/>
+          </p:cNvSpPr>
+          <p:nvPr>
+            <p:ph type="title"/>
+          </p:nvPr>
+        </p:nvSpPr>
+        <p:spPr>
+          <a:xfrm>
+            <a:off x="1934723" y="152636"/>
+            <a:ext cx="6911975" cy="777875"/>
+          </a:xfrm>
+        </p:spPr>
+        <p:txBody>
+          <a:bodyPr/>
+          <a:lstStyle/>
+          <a:p>
+            <a:r>
+              <a:rPr lang="en-GB" dirty="0"/>
+              <a:t>References</a:t>
+            </a:r>
+            <a:endParaRPr lang="en-US" altLang="en-US" dirty="0"/>
+          </a:p>
+        </p:txBody>
+      </p:sp>
+      <p:sp>
+        <p:nvSpPr>
+          <p:cNvPr id="6" name="Rectangle 3">
+            <a:extLst>
+              <a:ext uri="{FF2B5EF4-FFF2-40B4-BE49-F238E27FC236}">
+                <a16:creationId xmlns:a16="http://schemas.microsoft.com/office/drawing/2014/main" id="{232DFA49-7D4F-4AEA-82DE-BCC12841DACA}"/>
+              </a:ext>
+            </a:extLst>
+          </p:cNvPr>
+          <p:cNvSpPr txBox="1">
+            <a:spLocks noChangeArrowheads="1"/>
+          </p:cNvSpPr>
+          <p:nvPr/>
+        </p:nvSpPr>
+        <p:spPr bwMode="auto">
+          <a:xfrm>
+            <a:off x="1835697" y="1052736"/>
+            <a:ext cx="7045562" cy="4896544"/>
+          </a:xfrm>
+          <a:prstGeom prst="rect">
+            <a:avLst/>
+          </a:prstGeom>
+          <a:noFill/>
+          <a:ln>
+            <a:noFill/>
+          </a:ln>
+          <a:effectLst/>
+          <a:extLst>
+            <a:ext uri="{909E8E84-426E-40DD-AFC4-6F175D3DCCD1}">
+              <a14:hiddenFill xmlns:a14="http://schemas.microsoft.com/office/drawing/2010/main">
+                <a:solidFill>
+                  <a:schemeClr val="accent1"/>
+                </a:solidFill>
+              </a14:hiddenFill>
+            </a:ext>
+            <a:ext uri="{91240B29-F687-4F45-9708-019B960494DF}">
+              <a14:hiddenLine xmlns:a14="http://schemas.microsoft.com/office/drawing/2010/main" w="9525">
+                <a:solidFill>
+                  <a:schemeClr val="tx1"/>
+                </a:solidFill>
+                <a:miter lim="800000"/>
+                <a:headEnd/>
+                <a:tailEnd/>
+              </a14:hiddenLine>
+            </a:ext>
+            <a:ext uri="{AF507438-7753-43E0-B8FC-AC1667EBCBE1}">
+              <a14:hiddenEffects xmlns:a14="http://schemas.microsoft.com/office/drawing/2010/main">
+                <a:effectLst>
+                  <a:outerShdw dist="35921" dir="2700000" algn="ctr" rotWithShape="0">
+                    <a:schemeClr val="bg2"/>
+                  </a:outerShdw>
+                </a:effectLst>
+              </a14:hiddenEffects>
+            </a:ext>
+          </a:extLst>
+        </p:spPr>
+        <p:txBody>
+          <a:bodyPr vert="horz" wrap="square" lIns="91440" tIns="45720" rIns="91440" bIns="45720" numCol="1" anchor="t" anchorCtr="0" compatLnSpc="1">
+            <a:prstTxWarp prst="textNoShape">
+              <a:avLst/>
+            </a:prstTxWarp>
+          </a:bodyPr>
+          <a:lstStyle>
+            <a:lvl1pPr marL="342900" indent="-342900" algn="l" rtl="0" fontAlgn="base">
+              <a:spcBef>
+                <a:spcPct val="20000"/>
+              </a:spcBef>
+              <a:spcAft>
+                <a:spcPct val="0"/>
+              </a:spcAft>
+              <a:buChar char="•"/>
+              <a:defRPr sz="2000" kern="1200">
+                <a:solidFill>
+                  <a:srgbClr val="666666"/>
+                </a:solidFill>
+                <a:latin typeface="+mn-lt"/>
+                <a:ea typeface="+mn-ea"/>
+                <a:cs typeface="+mn-cs"/>
+              </a:defRPr>
+            </a:lvl1pPr>
+            <a:lvl2pPr marL="742950" indent="-285750" algn="l" rtl="0" fontAlgn="base">
+              <a:spcBef>
+                <a:spcPct val="20000"/>
+              </a:spcBef>
+              <a:spcAft>
+                <a:spcPct val="0"/>
+              </a:spcAft>
+              <a:buChar char="–"/>
+              <a:defRPr sz="2000" kern="1200">
+                <a:solidFill>
+                  <a:srgbClr val="666666"/>
+                </a:solidFill>
+                <a:latin typeface="+mn-lt"/>
+                <a:ea typeface="+mn-ea"/>
+                <a:cs typeface="+mn-cs"/>
+              </a:defRPr>
+            </a:lvl2pPr>
+            <a:lvl3pPr marL="1143000" indent="-228600" algn="l" rtl="0" fontAlgn="base">
+              <a:spcBef>
+                <a:spcPct val="20000"/>
+              </a:spcBef>
+              <a:spcAft>
+                <a:spcPct val="0"/>
+              </a:spcAft>
+              <a:buChar char="•"/>
+              <a:defRPr sz="2000" kern="1200">
+                <a:solidFill>
+                  <a:srgbClr val="666666"/>
+                </a:solidFill>
+                <a:latin typeface="+mn-lt"/>
+                <a:ea typeface="+mn-ea"/>
+                <a:cs typeface="+mn-cs"/>
+              </a:defRPr>
+            </a:lvl3pPr>
+            <a:lvl4pPr marL="1600200" indent="-228600" algn="l" rtl="0" fontAlgn="base">
+              <a:spcBef>
+                <a:spcPct val="20000"/>
+              </a:spcBef>
+              <a:spcAft>
+                <a:spcPct val="0"/>
+              </a:spcAft>
+              <a:buChar char="–"/>
+              <a:defRPr sz="2000" kern="1200">
+                <a:solidFill>
+                  <a:srgbClr val="666666"/>
+                </a:solidFill>
+                <a:latin typeface="+mn-lt"/>
+                <a:ea typeface="+mn-ea"/>
+                <a:cs typeface="+mn-cs"/>
+              </a:defRPr>
+            </a:lvl4pPr>
+            <a:lvl5pPr marL="2057400" indent="-228600" algn="l" rtl="0" fontAlgn="base">
+              <a:spcBef>
+                <a:spcPct val="20000"/>
+              </a:spcBef>
+              <a:spcAft>
+                <a:spcPct val="0"/>
+              </a:spcAft>
+              <a:buChar char="»"/>
+              <a:defRPr sz="2000" kern="1200">
+                <a:solidFill>
+                  <a:srgbClr val="666666"/>
+                </a:solidFill>
+                <a:latin typeface="+mn-lt"/>
+                <a:ea typeface="+mn-ea"/>
+                <a:cs typeface="+mn-cs"/>
+              </a:defRPr>
+            </a:lvl5pPr>
+            <a:lvl6pPr marL="2514600" indent="-228600" algn="l" defTabSz="914400" rtl="0" eaLnBrk="1" latinLnBrk="0" hangingPunct="1">
+              <a:lnSpc>
+                <a:spcPct val="90000"/>
+              </a:lnSpc>
+              <a:spcBef>
+                <a:spcPts val="500"/>
+              </a:spcBef>
+              <a:buFont typeface="Arial" panose="020B0604020202020204" pitchFamily="34" charset="0"/>
+              <a:buChar char="•"/>
+              <a:defRPr sz="1800" kern="1200">
+                <a:solidFill>
+                  <a:schemeClr val="tx1"/>
+                </a:solidFill>
+                <a:latin typeface="+mn-lt"/>
+                <a:ea typeface="+mn-ea"/>
+                <a:cs typeface="+mn-cs"/>
+              </a:defRPr>
+            </a:lvl6pPr>
+            <a:lvl7pPr marL="2971800" indent="-228600" algn="l" defTabSz="914400" rtl="0" eaLnBrk="1" latinLnBrk="0" hangingPunct="1">
+              <a:lnSpc>
+                <a:spcPct val="90000"/>
+              </a:lnSpc>
+              <a:spcBef>
+                <a:spcPts val="500"/>
+              </a:spcBef>
+              <a:buFont typeface="Arial" panose="020B0604020202020204" pitchFamily="34" charset="0"/>
+              <a:buChar char="•"/>
+              <a:defRPr sz="1800" kern="1200">
+                <a:solidFill>
+                  <a:schemeClr val="tx1"/>
+                </a:solidFill>
+                <a:latin typeface="+mn-lt"/>
+                <a:ea typeface="+mn-ea"/>
+                <a:cs typeface="+mn-cs"/>
+              </a:defRPr>
+            </a:lvl7pPr>
+            <a:lvl8pPr marL="3429000" indent="-228600" algn="l" defTabSz="914400" rtl="0" eaLnBrk="1" latinLnBrk="0" hangingPunct="1">
+              <a:lnSpc>
+                <a:spcPct val="90000"/>
+              </a:lnSpc>
+              <a:spcBef>
+                <a:spcPts val="500"/>
+              </a:spcBef>
+              <a:buFont typeface="Arial" panose="020B0604020202020204" pitchFamily="34" charset="0"/>
+              <a:buChar char="•"/>
+              <a:defRPr sz="1800" kern="1200">
+                <a:solidFill>
+                  <a:schemeClr val="tx1"/>
+                </a:solidFill>
+                <a:latin typeface="+mn-lt"/>
+                <a:ea typeface="+mn-ea"/>
+                <a:cs typeface="+mn-cs"/>
+              </a:defRPr>
+            </a:lvl8pPr>
+            <a:lvl9pPr marL="3886200" indent="-228600" algn="l" defTabSz="914400" rtl="0" eaLnBrk="1" latinLnBrk="0" hangingPunct="1">
+              <a:lnSpc>
+                <a:spcPct val="90000"/>
+              </a:lnSpc>
+              <a:spcBef>
+                <a:spcPts val="500"/>
+              </a:spcBef>
+              <a:buFont typeface="Arial" panose="020B0604020202020204" pitchFamily="34" charset="0"/>
+              <a:buChar char="•"/>
+              <a:defRPr sz="1800" kern="1200">
+                <a:solidFill>
+                  <a:schemeClr val="tx1"/>
+                </a:solidFill>
+                <a:latin typeface="+mn-lt"/>
+                <a:ea typeface="+mn-ea"/>
+                <a:cs typeface="+mn-cs"/>
+              </a:defRPr>
+            </a:lvl9pPr>
+          </a:lstStyle>
+          <a:p>
+            <a:pPr>
+              <a:lnSpc>
+                <a:spcPct val="90000"/>
+              </a:lnSpc>
+            </a:pPr>
+            <a:r>
+              <a:rPr lang="en-IE" altLang="en-US" sz="1800" dirty="0">
+                <a:ea typeface="굴림" charset="-127"/>
+              </a:rPr>
+              <a:t>...  </a:t>
+            </a:r>
+          </a:p>
+          <a:p>
+            <a:pPr>
+              <a:lnSpc>
+                <a:spcPct val="90000"/>
+              </a:lnSpc>
+            </a:pPr>
+            <a:endParaRPr lang="en-IE" altLang="en-US" sz="1800" dirty="0">
+              <a:ea typeface="굴림" charset="-127"/>
+            </a:endParaRPr>
+          </a:p>
+          <a:p>
+            <a:pPr>
+              <a:lnSpc>
+                <a:spcPct val="90000"/>
+              </a:lnSpc>
+            </a:pPr>
+            <a:r>
+              <a:rPr lang="en-IE" altLang="en-US" sz="1800" dirty="0">
+                <a:ea typeface="굴림" charset="-127"/>
+              </a:rPr>
+              <a:t>…</a:t>
+            </a:r>
+          </a:p>
+          <a:p>
+            <a:pPr>
+              <a:lnSpc>
+                <a:spcPct val="90000"/>
+              </a:lnSpc>
+            </a:pPr>
+            <a:endParaRPr lang="en-IE" altLang="en-US" sz="1800" dirty="0">
+              <a:ea typeface="굴림" charset="-127"/>
+            </a:endParaRPr>
+          </a:p>
+          <a:p>
+            <a:pPr>
+              <a:lnSpc>
+                <a:spcPct val="90000"/>
+              </a:lnSpc>
+            </a:pPr>
+            <a:r>
+              <a:rPr lang="en-IE" altLang="en-US" sz="1800" dirty="0">
+                <a:ea typeface="굴림" charset="-127"/>
+              </a:rPr>
+              <a:t>…</a:t>
+            </a:r>
+            <a:endParaRPr lang="uk-UA" altLang="en-US" sz="1800" dirty="0"/>
+          </a:p>
+          <a:p>
+            <a:pPr marL="0" indent="0">
+              <a:lnSpc>
+                <a:spcPct val="90000"/>
+              </a:lnSpc>
+              <a:buNone/>
+            </a:pPr>
+            <a:endParaRPr lang="en-US" altLang="en-US" sz="1800" dirty="0"/>
+          </a:p>
+        </p:txBody>
+      </p:sp>
+    </p:spTree>
+    <p:extLst>
+      <p:ext uri="{BB962C8B-B14F-4D97-AF65-F5344CB8AC3E}">
+        <p14:creationId xmlns:p14="http://schemas.microsoft.com/office/powerpoint/2010/main" val="3827395876"/>
+      </p:ext>
+    </p:extLst>
+  </p:cSld>
+  <p:clrMapOvr>
+    <a:masterClrMapping/>
+  </p:clrMapOvr>
+  <p:transition spd="slow">
+    <p:fade/>
+  </p:transition>
 </p:sld>
 </file>
 
@@ -6287,10 +7623,22 @@
           <a:lstStyle/>
           <a:p>
             <a:r>
+              <a:rPr lang="en-IE" altLang="ko-KR" dirty="0">
+                <a:ea typeface="굴림" charset="-127"/>
+              </a:rPr>
+              <a:t>Anti-Money Laundering (AML) systems are typically an integrated set of processes and automated system to detect, prevent, and report criminal activity in a financial network</a:t>
+            </a:r>
+            <a:r>
               <a:rPr lang="ru-RU" altLang="ko-KR" dirty="0">
                 <a:ea typeface="굴림" charset="-127"/>
               </a:rPr>
-              <a:t>Lorem ipsum dolor sit amet, consectetuer adipiscing elit, sed diam nonummy nibh euismod tincidunt ut laoreet dolore magna aliquam erat volutpat. Ut wisi enim ad minim veniam, quis nostrud exerci tation ullamcorper suscipit lobortis nisl ut aliquip ex ea commodo consequat. </a:t>
+              <a:t>. </a:t>
+            </a:r>
+            <a:r>
+              <a:rPr lang="en-IE" altLang="ko-KR" dirty="0">
+                <a:ea typeface="굴림" charset="-127"/>
+              </a:rPr>
+              <a:t>Focus is on transaction monitoring and name screening.</a:t>
             </a:r>
             <a:endParaRPr lang="en-US" altLang="ko-KR" dirty="0">
               <a:ea typeface="굴림" charset="-127"/>
@@ -6303,10 +7651,28 @@
           </a:p>
           <a:p>
             <a:r>
+              <a:rPr lang="en-IE" altLang="ko-KR" dirty="0">
+                <a:ea typeface="굴림" charset="-127"/>
+              </a:rPr>
+              <a:t>Thus, a major characteristic of AML systems is the use of various internal and external WATCH LISTS</a:t>
+            </a:r>
+            <a:r>
               <a:rPr lang="ru-RU" altLang="ko-KR" dirty="0">
                 <a:ea typeface="굴림" charset="-127"/>
               </a:rPr>
-              <a:t>Duis autem vel eum iriure dolor in hendrerit in vulputate velit esse molestie consequat, vel illum dolore eu feugiat nulla facilisis at vero eros et accumsan et iusto odio dignissim qui blandit praesent luptatum zzril delenit augue duis dolore te feugait nulla facilisi. </a:t>
+              <a:t>.</a:t>
+            </a:r>
+            <a:r>
+              <a:rPr lang="en-IE" altLang="ko-KR" dirty="0">
+                <a:ea typeface="굴림" charset="-127"/>
+              </a:rPr>
+              <a:t> These are data stores that identify specific individuals or companies and are used to influence decisions made by financial institutions.</a:t>
+            </a:r>
+            <a:r>
+              <a:rPr lang="ru-RU" altLang="ko-KR" dirty="0">
+                <a:ea typeface="굴림" charset="-127"/>
+              </a:rPr>
+              <a:t> </a:t>
             </a:r>
             <a:endParaRPr lang="uk-UA" altLang="en-US" dirty="0"/>
           </a:p>
@@ -6317,6 +7683,9 @@
   <p:clrMapOvr>
     <a:masterClrMapping/>
   </p:clrMapOvr>
+  <p:transition spd="slow">
+    <p:fade/>
+  </p:transition>
 </p:sld>
 </file>
 
@@ -6349,7 +7718,7 @@
         </p:nvSpPr>
         <p:spPr>
           <a:xfrm>
-            <a:off x="1918925" y="692696"/>
+            <a:off x="1934723" y="152636"/>
             <a:ext cx="6911975" cy="777875"/>
           </a:xfrm>
         </p:spPr>
@@ -6359,7 +7728,7 @@
           <a:p>
             <a:r>
               <a:rPr lang="en-GB" dirty="0"/>
-              <a:t>Conduct desk research to identify the critical issues for ethics, data governance and data privacy in that domain. </a:t>
+              <a:t>The AML Process</a:t>
             </a:r>
             <a:endParaRPr lang="en-US" altLang="en-US" dirty="0"/>
           </a:p>
@@ -6377,28 +7746,54 @@
         </p:nvSpPr>
         <p:spPr>
           <a:xfrm>
-            <a:off x="1918926" y="2780928"/>
-            <a:ext cx="6911975" cy="3887762"/>
+            <a:off x="1934722" y="966057"/>
+            <a:ext cx="6911975" cy="950775"/>
           </a:xfrm>
         </p:spPr>
         <p:txBody>
           <a:bodyPr/>
           <a:lstStyle/>
           <a:p>
+            <a:pPr marL="0" indent="0">
+              <a:lnSpc>
+                <a:spcPct val="90000"/>
+              </a:lnSpc>
+              <a:buNone/>
+            </a:pPr>
+            <a:r>
+              <a:rPr lang="en-IE" altLang="ko-KR" sz="1800" dirty="0">
+                <a:ea typeface="굴림" charset="-127"/>
+              </a:rPr>
+              <a:t>Watch List Management (WLM) systems draw in data elements from published watch lists to identify potentially criminal actors using the services of a Financial Institution (FI).</a:t>
+            </a:r>
+            <a:endParaRPr lang="en-US" altLang="ko-KR" sz="1800" dirty="0">
+              <a:ea typeface="굴림" charset="-127"/>
+            </a:endParaRPr>
+          </a:p>
+          <a:p>
             <a:pPr>
               <a:lnSpc>
                 <a:spcPct val="90000"/>
               </a:lnSpc>
             </a:pPr>
-            <a:r>
-              <a:rPr lang="ru-RU" altLang="ko-KR" dirty="0">
+            <a:endParaRPr lang="en-US" altLang="ko-KR" sz="1800" dirty="0">
+              <a:ea typeface="굴림" charset="-127"/>
+            </a:endParaRPr>
+          </a:p>
+          <a:p>
+            <a:pPr marL="0" indent="0">
+              <a:lnSpc>
+                <a:spcPct val="90000"/>
+              </a:lnSpc>
+              <a:buNone/>
+            </a:pPr>
+            <a:r>
+              <a:rPr lang="ru-RU" altLang="ko-KR" sz="1800" dirty="0">
                 <a:ea typeface="굴림" charset="-127"/>
               </a:rPr>
-              <a:t>Lorem ipsum dolor sit amet, consectetuer adipiscing elit, sed diam nonummy nibh euismod tincidunt ut laoreet dolore magna aliquam erat volutpat. Ut wisi enim ad minim veniam, quis nostrud exerci tation ullamcorper suscipit lobortis nisl ut aliquip ex ea commodo consequat. </a:t>
-            </a:r>
-            <a:endParaRPr lang="en-US" altLang="ko-KR" dirty="0">
-              <a:ea typeface="굴림" charset="-127"/>
-            </a:endParaRPr>
+              <a:t> </a:t>
+            </a:r>
+            <a:endParaRPr lang="uk-UA" altLang="en-US" sz="1800" dirty="0"/>
           </a:p>
           <a:p>
             <a:pPr>
@@ -6406,39 +7801,409 @@
                 <a:spcPct val="90000"/>
               </a:lnSpc>
             </a:pPr>
-            <a:endParaRPr lang="en-US" altLang="ko-KR" dirty="0">
-              <a:ea typeface="굴림" charset="-127"/>
-            </a:endParaRPr>
-          </a:p>
-          <a:p>
-            <a:pPr>
+            <a:endParaRPr lang="en-US" altLang="en-US" sz="1800" dirty="0"/>
+          </a:p>
+        </p:txBody>
+      </p:sp>
+      <p:pic>
+        <p:nvPicPr>
+          <p:cNvPr id="3" name="Picture 2" descr="Text&#10;&#10;Description automatically generated">
+            <a:extLst>
+              <a:ext uri="{FF2B5EF4-FFF2-40B4-BE49-F238E27FC236}">
+                <a16:creationId xmlns:a16="http://schemas.microsoft.com/office/drawing/2014/main" id="{611B2A99-AF39-416C-BF60-CD9237E9A531}"/>
+              </a:ext>
+            </a:extLst>
+          </p:cNvPr>
+          <p:cNvPicPr>
+            <a:picLocks noChangeAspect="1"/>
+          </p:cNvPicPr>
+          <p:nvPr/>
+        </p:nvPicPr>
+        <p:blipFill>
+          <a:blip r:embed="rId2">
+            <a:extLst>
+              <a:ext uri="{28A0092B-C50C-407E-A947-70E740481C1C}">
+                <a14:useLocalDpi xmlns:a14="http://schemas.microsoft.com/office/drawing/2010/main" val="0"/>
+              </a:ext>
+            </a:extLst>
+          </a:blip>
+          <a:stretch>
+            <a:fillRect/>
+          </a:stretch>
+        </p:blipFill>
+        <p:spPr>
+          <a:xfrm>
+            <a:off x="1918925" y="3212976"/>
+            <a:ext cx="7045563" cy="2952328"/>
+          </a:xfrm>
+          <a:prstGeom prst="rect">
+            <a:avLst/>
+          </a:prstGeom>
+        </p:spPr>
+      </p:pic>
+      <p:sp>
+        <p:nvSpPr>
+          <p:cNvPr id="6" name="Rectangle 3">
+            <a:extLst>
+              <a:ext uri="{FF2B5EF4-FFF2-40B4-BE49-F238E27FC236}">
+                <a16:creationId xmlns:a16="http://schemas.microsoft.com/office/drawing/2014/main" id="{232DFA49-7D4F-4AEA-82DE-BCC12841DACA}"/>
+              </a:ext>
+            </a:extLst>
+          </p:cNvPr>
+          <p:cNvSpPr txBox="1">
+            <a:spLocks noChangeArrowheads="1"/>
+          </p:cNvSpPr>
+          <p:nvPr/>
+        </p:nvSpPr>
+        <p:spPr bwMode="auto">
+          <a:xfrm>
+            <a:off x="1835697" y="6237312"/>
+            <a:ext cx="7045562" cy="532482"/>
+          </a:xfrm>
+          <a:prstGeom prst="rect">
+            <a:avLst/>
+          </a:prstGeom>
+          <a:noFill/>
+          <a:ln>
+            <a:noFill/>
+          </a:ln>
+          <a:effectLst/>
+          <a:extLst>
+            <a:ext uri="{909E8E84-426E-40DD-AFC4-6F175D3DCCD1}">
+              <a14:hiddenFill xmlns:a14="http://schemas.microsoft.com/office/drawing/2010/main">
+                <a:solidFill>
+                  <a:schemeClr val="accent1"/>
+                </a:solidFill>
+              </a14:hiddenFill>
+            </a:ext>
+            <a:ext uri="{91240B29-F687-4F45-9708-019B960494DF}">
+              <a14:hiddenLine xmlns:a14="http://schemas.microsoft.com/office/drawing/2010/main" w="9525">
+                <a:solidFill>
+                  <a:schemeClr val="tx1"/>
+                </a:solidFill>
+                <a:miter lim="800000"/>
+                <a:headEnd/>
+                <a:tailEnd/>
+              </a14:hiddenLine>
+            </a:ext>
+            <a:ext uri="{AF507438-7753-43E0-B8FC-AC1667EBCBE1}">
+              <a14:hiddenEffects xmlns:a14="http://schemas.microsoft.com/office/drawing/2010/main">
+                <a:effectLst>
+                  <a:outerShdw dist="35921" dir="2700000" algn="ctr" rotWithShape="0">
+                    <a:schemeClr val="bg2"/>
+                  </a:outerShdw>
+                </a:effectLst>
+              </a14:hiddenEffects>
+            </a:ext>
+          </a:extLst>
+        </p:spPr>
+        <p:txBody>
+          <a:bodyPr vert="horz" wrap="square" lIns="91440" tIns="45720" rIns="91440" bIns="45720" numCol="1" anchor="t" anchorCtr="0" compatLnSpc="1">
+            <a:prstTxWarp prst="textNoShape">
+              <a:avLst/>
+            </a:prstTxWarp>
+          </a:bodyPr>
+          <a:lstStyle>
+            <a:lvl1pPr marL="342900" indent="-342900" algn="l" rtl="0" fontAlgn="base">
+              <a:spcBef>
+                <a:spcPct val="20000"/>
+              </a:spcBef>
+              <a:spcAft>
+                <a:spcPct val="0"/>
+              </a:spcAft>
+              <a:buChar char="•"/>
+              <a:defRPr sz="2000" kern="1200">
+                <a:solidFill>
+                  <a:srgbClr val="666666"/>
+                </a:solidFill>
+                <a:latin typeface="+mn-lt"/>
+                <a:ea typeface="+mn-ea"/>
+                <a:cs typeface="+mn-cs"/>
+              </a:defRPr>
+            </a:lvl1pPr>
+            <a:lvl2pPr marL="742950" indent="-285750" algn="l" rtl="0" fontAlgn="base">
+              <a:spcBef>
+                <a:spcPct val="20000"/>
+              </a:spcBef>
+              <a:spcAft>
+                <a:spcPct val="0"/>
+              </a:spcAft>
+              <a:buChar char="–"/>
+              <a:defRPr sz="2000" kern="1200">
+                <a:solidFill>
+                  <a:srgbClr val="666666"/>
+                </a:solidFill>
+                <a:latin typeface="+mn-lt"/>
+                <a:ea typeface="+mn-ea"/>
+                <a:cs typeface="+mn-cs"/>
+              </a:defRPr>
+            </a:lvl2pPr>
+            <a:lvl3pPr marL="1143000" indent="-228600" algn="l" rtl="0" fontAlgn="base">
+              <a:spcBef>
+                <a:spcPct val="20000"/>
+              </a:spcBef>
+              <a:spcAft>
+                <a:spcPct val="0"/>
+              </a:spcAft>
+              <a:buChar char="•"/>
+              <a:defRPr sz="2000" kern="1200">
+                <a:solidFill>
+                  <a:srgbClr val="666666"/>
+                </a:solidFill>
+                <a:latin typeface="+mn-lt"/>
+                <a:ea typeface="+mn-ea"/>
+                <a:cs typeface="+mn-cs"/>
+              </a:defRPr>
+            </a:lvl3pPr>
+            <a:lvl4pPr marL="1600200" indent="-228600" algn="l" rtl="0" fontAlgn="base">
+              <a:spcBef>
+                <a:spcPct val="20000"/>
+              </a:spcBef>
+              <a:spcAft>
+                <a:spcPct val="0"/>
+              </a:spcAft>
+              <a:buChar char="–"/>
+              <a:defRPr sz="2000" kern="1200">
+                <a:solidFill>
+                  <a:srgbClr val="666666"/>
+                </a:solidFill>
+                <a:latin typeface="+mn-lt"/>
+                <a:ea typeface="+mn-ea"/>
+                <a:cs typeface="+mn-cs"/>
+              </a:defRPr>
+            </a:lvl4pPr>
+            <a:lvl5pPr marL="2057400" indent="-228600" algn="l" rtl="0" fontAlgn="base">
+              <a:spcBef>
+                <a:spcPct val="20000"/>
+              </a:spcBef>
+              <a:spcAft>
+                <a:spcPct val="0"/>
+              </a:spcAft>
+              <a:buChar char="»"/>
+              <a:defRPr sz="2000" kern="1200">
+                <a:solidFill>
+                  <a:srgbClr val="666666"/>
+                </a:solidFill>
+                <a:latin typeface="+mn-lt"/>
+                <a:ea typeface="+mn-ea"/>
+                <a:cs typeface="+mn-cs"/>
+              </a:defRPr>
+            </a:lvl5pPr>
+            <a:lvl6pPr marL="2514600" indent="-228600" algn="l" defTabSz="914400" rtl="0" eaLnBrk="1" latinLnBrk="0" hangingPunct="1">
               <a:lnSpc>
                 <a:spcPct val="90000"/>
               </a:lnSpc>
-            </a:pPr>
-            <a:r>
-              <a:rPr lang="ru-RU" altLang="ko-KR" dirty="0">
-                <a:ea typeface="굴림" charset="-127"/>
-              </a:rPr>
-              <a:t>Duis autem vel eum iriure dolor in hendrerit in vulputate velit esse molestie consequat, vel illum dolore eu feugiat nulla facilisis at vero eros et accumsan et iusto odio dignissim qui blandit praesent luptatum zzril delenit augue duis dolore te feugait nulla facilisi. </a:t>
-            </a:r>
-            <a:endParaRPr lang="uk-UA" altLang="en-US" dirty="0"/>
-          </a:p>
-          <a:p>
-            <a:pPr>
+              <a:spcBef>
+                <a:spcPts val="500"/>
+              </a:spcBef>
+              <a:buFont typeface="Arial" panose="020B0604020202020204" pitchFamily="34" charset="0"/>
+              <a:buChar char="•"/>
+              <a:defRPr sz="1800" kern="1200">
+                <a:solidFill>
+                  <a:schemeClr val="tx1"/>
+                </a:solidFill>
+                <a:latin typeface="+mn-lt"/>
+                <a:ea typeface="+mn-ea"/>
+                <a:cs typeface="+mn-cs"/>
+              </a:defRPr>
+            </a:lvl6pPr>
+            <a:lvl7pPr marL="2971800" indent="-228600" algn="l" defTabSz="914400" rtl="0" eaLnBrk="1" latinLnBrk="0" hangingPunct="1">
               <a:lnSpc>
                 <a:spcPct val="90000"/>
               </a:lnSpc>
+              <a:spcBef>
+                <a:spcPts val="500"/>
+              </a:spcBef>
+              <a:buFont typeface="Arial" panose="020B0604020202020204" pitchFamily="34" charset="0"/>
+              <a:buChar char="•"/>
+              <a:defRPr sz="1800" kern="1200">
+                <a:solidFill>
+                  <a:schemeClr val="tx1"/>
+                </a:solidFill>
+                <a:latin typeface="+mn-lt"/>
+                <a:ea typeface="+mn-ea"/>
+                <a:cs typeface="+mn-cs"/>
+              </a:defRPr>
+            </a:lvl7pPr>
+            <a:lvl8pPr marL="3429000" indent="-228600" algn="l" defTabSz="914400" rtl="0" eaLnBrk="1" latinLnBrk="0" hangingPunct="1">
+              <a:lnSpc>
+                <a:spcPct val="90000"/>
+              </a:lnSpc>
+              <a:spcBef>
+                <a:spcPts val="500"/>
+              </a:spcBef>
+              <a:buFont typeface="Arial" panose="020B0604020202020204" pitchFamily="34" charset="0"/>
+              <a:buChar char="•"/>
+              <a:defRPr sz="1800" kern="1200">
+                <a:solidFill>
+                  <a:schemeClr val="tx1"/>
+                </a:solidFill>
+                <a:latin typeface="+mn-lt"/>
+                <a:ea typeface="+mn-ea"/>
+                <a:cs typeface="+mn-cs"/>
+              </a:defRPr>
+            </a:lvl8pPr>
+            <a:lvl9pPr marL="3886200" indent="-228600" algn="l" defTabSz="914400" rtl="0" eaLnBrk="1" latinLnBrk="0" hangingPunct="1">
+              <a:lnSpc>
+                <a:spcPct val="90000"/>
+              </a:lnSpc>
+              <a:spcBef>
+                <a:spcPts val="500"/>
+              </a:spcBef>
+              <a:buFont typeface="Arial" panose="020B0604020202020204" pitchFamily="34" charset="0"/>
+              <a:buChar char="•"/>
+              <a:defRPr sz="1800" kern="1200">
+                <a:solidFill>
+                  <a:schemeClr val="tx1"/>
+                </a:solidFill>
+                <a:latin typeface="+mn-lt"/>
+                <a:ea typeface="+mn-ea"/>
+                <a:cs typeface="+mn-cs"/>
+              </a:defRPr>
+            </a:lvl9pPr>
+          </a:lstStyle>
+          <a:p>
+            <a:pPr marL="0" indent="0">
+              <a:lnSpc>
+                <a:spcPct val="90000"/>
+              </a:lnSpc>
+              <a:buNone/>
             </a:pPr>
-            <a:endParaRPr lang="en-US" altLang="en-US" dirty="0"/>
+            <a:r>
+              <a:rPr lang="en-IE" altLang="ko-KR" sz="1800" dirty="0">
+                <a:ea typeface="굴림" charset="-127"/>
+              </a:rPr>
+              <a:t>If data is poorly analysed, then an innocent customer may be denied a service or criminal activity could be left undetected. </a:t>
+            </a:r>
+            <a:endParaRPr lang="uk-UA" altLang="en-US" sz="1800" dirty="0"/>
+          </a:p>
+          <a:p>
+            <a:pPr marL="0" indent="0">
+              <a:lnSpc>
+                <a:spcPct val="90000"/>
+              </a:lnSpc>
+              <a:buNone/>
+            </a:pPr>
+            <a:endParaRPr lang="en-US" altLang="en-US" sz="1800" dirty="0"/>
           </a:p>
         </p:txBody>
       </p:sp>
+      <p:pic>
+        <p:nvPicPr>
+          <p:cNvPr id="8" name="Picture 7" descr="Chart, diagram&#10;&#10;Description automatically generated">
+            <a:extLst>
+              <a:ext uri="{FF2B5EF4-FFF2-40B4-BE49-F238E27FC236}">
+                <a16:creationId xmlns:a16="http://schemas.microsoft.com/office/drawing/2014/main" id="{231B28D3-13A4-41C4-A80B-58AC29C35F1D}"/>
+              </a:ext>
+            </a:extLst>
+          </p:cNvPr>
+          <p:cNvPicPr>
+            <a:picLocks noChangeAspect="1"/>
+          </p:cNvPicPr>
+          <p:nvPr/>
+        </p:nvPicPr>
+        <p:blipFill>
+          <a:blip r:embed="rId3" cstate="print">
+            <a:extLst>
+              <a:ext uri="{28A0092B-C50C-407E-A947-70E740481C1C}">
+                <a14:useLocalDpi xmlns:a14="http://schemas.microsoft.com/office/drawing/2010/main" val="0"/>
+              </a:ext>
+            </a:extLst>
+          </a:blip>
+          <a:stretch>
+            <a:fillRect/>
+          </a:stretch>
+        </p:blipFill>
+        <p:spPr>
+          <a:xfrm>
+            <a:off x="4291879" y="1766490"/>
+            <a:ext cx="1566415" cy="1446486"/>
+          </a:xfrm>
+          <a:prstGeom prst="rect">
+            <a:avLst/>
+          </a:prstGeom>
+        </p:spPr>
+      </p:pic>
+      <p:pic>
+        <p:nvPicPr>
+          <p:cNvPr id="10" name="Picture 9" descr="Graphical user interface&#10;&#10;Description automatically generated">
+            <a:extLst>
+              <a:ext uri="{FF2B5EF4-FFF2-40B4-BE49-F238E27FC236}">
+                <a16:creationId xmlns:a16="http://schemas.microsoft.com/office/drawing/2014/main" id="{B748B504-5091-4090-AF9E-150CC72FF314}"/>
+              </a:ext>
+            </a:extLst>
+          </p:cNvPr>
+          <p:cNvPicPr>
+            <a:picLocks noChangeAspect="1"/>
+          </p:cNvPicPr>
+          <p:nvPr/>
+        </p:nvPicPr>
+        <p:blipFill>
+          <a:blip r:embed="rId4" cstate="print">
+            <a:extLst>
+              <a:ext uri="{28A0092B-C50C-407E-A947-70E740481C1C}">
+                <a14:useLocalDpi xmlns:a14="http://schemas.microsoft.com/office/drawing/2010/main" val="0"/>
+              </a:ext>
+            </a:extLst>
+          </a:blip>
+          <a:stretch>
+            <a:fillRect/>
+          </a:stretch>
+        </p:blipFill>
+        <p:spPr>
+          <a:xfrm>
+            <a:off x="5724128" y="1844824"/>
+            <a:ext cx="3135559" cy="1296144"/>
+          </a:xfrm>
+          <a:prstGeom prst="rect">
+            <a:avLst/>
+          </a:prstGeom>
+        </p:spPr>
+      </p:pic>
+      <p:pic>
+        <p:nvPicPr>
+          <p:cNvPr id="5" name="Picture 4" descr="Icon&#10;&#10;Description automatically generated with medium confidence">
+            <a:extLst>
+              <a:ext uri="{FF2B5EF4-FFF2-40B4-BE49-F238E27FC236}">
+                <a16:creationId xmlns:a16="http://schemas.microsoft.com/office/drawing/2014/main" id="{3200BA93-32F6-462F-B5DD-A8ED721A5338}"/>
+              </a:ext>
+            </a:extLst>
+          </p:cNvPr>
+          <p:cNvPicPr>
+            <a:picLocks noChangeAspect="1"/>
+          </p:cNvPicPr>
+          <p:nvPr/>
+        </p:nvPicPr>
+        <p:blipFill>
+          <a:blip r:embed="rId5">
+            <a:extLst>
+              <a:ext uri="{28A0092B-C50C-407E-A947-70E740481C1C}">
+                <a14:useLocalDpi xmlns:a14="http://schemas.microsoft.com/office/drawing/2010/main" val="0"/>
+              </a:ext>
+            </a:extLst>
+          </a:blip>
+          <a:stretch>
+            <a:fillRect/>
+          </a:stretch>
+        </p:blipFill>
+        <p:spPr>
+          <a:xfrm>
+            <a:off x="3491880" y="1960553"/>
+            <a:ext cx="862157" cy="862157"/>
+          </a:xfrm>
+          <a:prstGeom prst="rect">
+            <a:avLst/>
+          </a:prstGeom>
+        </p:spPr>
+      </p:pic>
     </p:spTree>
   </p:cSld>
   <p:clrMapOvr>
     <a:masterClrMapping/>
   </p:clrMapOvr>
+  <p:transition spd="slow">
+    <p:fade/>
+  </p:transition>
 </p:sld>
 </file>
 
@@ -6471,7 +8236,7 @@
         </p:nvSpPr>
         <p:spPr>
           <a:xfrm>
-            <a:off x="1918925" y="692696"/>
+            <a:off x="1934723" y="152636"/>
             <a:ext cx="6911975" cy="777875"/>
           </a:xfrm>
         </p:spPr>
@@ -6481,7 +8246,7 @@
           <a:p>
             <a:r>
               <a:rPr lang="en-GB" dirty="0"/>
-              <a:t>Identify one application, product or service within your chosen domain. </a:t>
+              <a:t>WLM Name Screening Challenge </a:t>
             </a:r>
             <a:endParaRPr lang="en-US" altLang="en-US" dirty="0"/>
           </a:p>
@@ -6489,90 +8254,335 @@
       </p:sp>
       <p:sp>
         <p:nvSpPr>
-          <p:cNvPr id="195587" name="Rectangle 3"/>
-          <p:cNvSpPr>
-            <a:spLocks noGrp="1" noChangeArrowheads="1"/>
+          <p:cNvPr id="6" name="Rectangle 3">
+            <a:extLst>
+              <a:ext uri="{FF2B5EF4-FFF2-40B4-BE49-F238E27FC236}">
+                <a16:creationId xmlns:a16="http://schemas.microsoft.com/office/drawing/2014/main" id="{232DFA49-7D4F-4AEA-82DE-BCC12841DACA}"/>
+              </a:ext>
+            </a:extLst>
+          </p:cNvPr>
+          <p:cNvSpPr txBox="1">
+            <a:spLocks noChangeArrowheads="1"/>
           </p:cNvSpPr>
-          <p:nvPr>
-            <p:ph type="body" idx="1"/>
-          </p:nvPr>
+          <p:nvPr/>
         </p:nvSpPr>
-        <p:spPr>
+        <p:spPr bwMode="auto">
           <a:xfrm>
-            <a:off x="1918926" y="2780928"/>
-            <a:ext cx="6911975" cy="3887762"/>
+            <a:off x="1835697" y="6237312"/>
+            <a:ext cx="7045562" cy="532482"/>
           </a:xfrm>
+          <a:prstGeom prst="rect">
+            <a:avLst/>
+          </a:prstGeom>
+          <a:noFill/>
+          <a:ln>
+            <a:noFill/>
+          </a:ln>
+          <a:effectLst/>
+          <a:extLst>
+            <a:ext uri="{909E8E84-426E-40DD-AFC4-6F175D3DCCD1}">
+              <a14:hiddenFill xmlns:a14="http://schemas.microsoft.com/office/drawing/2010/main">
+                <a:solidFill>
+                  <a:schemeClr val="accent1"/>
+                </a:solidFill>
+              </a14:hiddenFill>
+            </a:ext>
+            <a:ext uri="{91240B29-F687-4F45-9708-019B960494DF}">
+              <a14:hiddenLine xmlns:a14="http://schemas.microsoft.com/office/drawing/2010/main" w="9525">
+                <a:solidFill>
+                  <a:schemeClr val="tx1"/>
+                </a:solidFill>
+                <a:miter lim="800000"/>
+                <a:headEnd/>
+                <a:tailEnd/>
+              </a14:hiddenLine>
+            </a:ext>
+            <a:ext uri="{AF507438-7753-43E0-B8FC-AC1667EBCBE1}">
+              <a14:hiddenEffects xmlns:a14="http://schemas.microsoft.com/office/drawing/2010/main">
+                <a:effectLst>
+                  <a:outerShdw dist="35921" dir="2700000" algn="ctr" rotWithShape="0">
+                    <a:schemeClr val="bg2"/>
+                  </a:outerShdw>
+                </a:effectLst>
+              </a14:hiddenEffects>
+            </a:ext>
+          </a:extLst>
         </p:spPr>
         <p:txBody>
-          <a:bodyPr/>
-          <a:lstStyle/>
-          <a:p>
-            <a:pPr>
+          <a:bodyPr vert="horz" wrap="square" lIns="91440" tIns="45720" rIns="91440" bIns="45720" numCol="1" anchor="t" anchorCtr="0" compatLnSpc="1">
+            <a:prstTxWarp prst="textNoShape">
+              <a:avLst/>
+            </a:prstTxWarp>
+          </a:bodyPr>
+          <a:lstStyle>
+            <a:lvl1pPr marL="342900" indent="-342900" algn="l" rtl="0" fontAlgn="base">
+              <a:spcBef>
+                <a:spcPct val="20000"/>
+              </a:spcBef>
+              <a:spcAft>
+                <a:spcPct val="0"/>
+              </a:spcAft>
+              <a:buChar char="•"/>
+              <a:defRPr sz="2000" kern="1200">
+                <a:solidFill>
+                  <a:srgbClr val="666666"/>
+                </a:solidFill>
+                <a:latin typeface="+mn-lt"/>
+                <a:ea typeface="+mn-ea"/>
+                <a:cs typeface="+mn-cs"/>
+              </a:defRPr>
+            </a:lvl1pPr>
+            <a:lvl2pPr marL="742950" indent="-285750" algn="l" rtl="0" fontAlgn="base">
+              <a:spcBef>
+                <a:spcPct val="20000"/>
+              </a:spcBef>
+              <a:spcAft>
+                <a:spcPct val="0"/>
+              </a:spcAft>
+              <a:buChar char="–"/>
+              <a:defRPr sz="2000" kern="1200">
+                <a:solidFill>
+                  <a:srgbClr val="666666"/>
+                </a:solidFill>
+                <a:latin typeface="+mn-lt"/>
+                <a:ea typeface="+mn-ea"/>
+                <a:cs typeface="+mn-cs"/>
+              </a:defRPr>
+            </a:lvl2pPr>
+            <a:lvl3pPr marL="1143000" indent="-228600" algn="l" rtl="0" fontAlgn="base">
+              <a:spcBef>
+                <a:spcPct val="20000"/>
+              </a:spcBef>
+              <a:spcAft>
+                <a:spcPct val="0"/>
+              </a:spcAft>
+              <a:buChar char="•"/>
+              <a:defRPr sz="2000" kern="1200">
+                <a:solidFill>
+                  <a:srgbClr val="666666"/>
+                </a:solidFill>
+                <a:latin typeface="+mn-lt"/>
+                <a:ea typeface="+mn-ea"/>
+                <a:cs typeface="+mn-cs"/>
+              </a:defRPr>
+            </a:lvl3pPr>
+            <a:lvl4pPr marL="1600200" indent="-228600" algn="l" rtl="0" fontAlgn="base">
+              <a:spcBef>
+                <a:spcPct val="20000"/>
+              </a:spcBef>
+              <a:spcAft>
+                <a:spcPct val="0"/>
+              </a:spcAft>
+              <a:buChar char="–"/>
+              <a:defRPr sz="2000" kern="1200">
+                <a:solidFill>
+                  <a:srgbClr val="666666"/>
+                </a:solidFill>
+                <a:latin typeface="+mn-lt"/>
+                <a:ea typeface="+mn-ea"/>
+                <a:cs typeface="+mn-cs"/>
+              </a:defRPr>
+            </a:lvl4pPr>
+            <a:lvl5pPr marL="2057400" indent="-228600" algn="l" rtl="0" fontAlgn="base">
+              <a:spcBef>
+                <a:spcPct val="20000"/>
+              </a:spcBef>
+              <a:spcAft>
+                <a:spcPct val="0"/>
+              </a:spcAft>
+              <a:buChar char="»"/>
+              <a:defRPr sz="2000" kern="1200">
+                <a:solidFill>
+                  <a:srgbClr val="666666"/>
+                </a:solidFill>
+                <a:latin typeface="+mn-lt"/>
+                <a:ea typeface="+mn-ea"/>
+                <a:cs typeface="+mn-cs"/>
+              </a:defRPr>
+            </a:lvl5pPr>
+            <a:lvl6pPr marL="2514600" indent="-228600" algn="l" defTabSz="914400" rtl="0" eaLnBrk="1" latinLnBrk="0" hangingPunct="1">
               <a:lnSpc>
                 <a:spcPct val="90000"/>
               </a:lnSpc>
-            </a:pPr>
-            <a:r>
-              <a:rPr lang="en-GB" dirty="0"/>
-              <a:t>Describe the product that you have chosen in terms of the way that it collects and processes data and how this is used to make decisions. </a:t>
-            </a:r>
-          </a:p>
-          <a:p>
-            <a:pPr>
+              <a:spcBef>
+                <a:spcPts val="500"/>
+              </a:spcBef>
+              <a:buFont typeface="Arial" panose="020B0604020202020204" pitchFamily="34" charset="0"/>
+              <a:buChar char="•"/>
+              <a:defRPr sz="1800" kern="1200">
+                <a:solidFill>
+                  <a:schemeClr val="tx1"/>
+                </a:solidFill>
+                <a:latin typeface="+mn-lt"/>
+                <a:ea typeface="+mn-ea"/>
+                <a:cs typeface="+mn-cs"/>
+              </a:defRPr>
+            </a:lvl6pPr>
+            <a:lvl7pPr marL="2971800" indent="-228600" algn="l" defTabSz="914400" rtl="0" eaLnBrk="1" latinLnBrk="0" hangingPunct="1">
               <a:lnSpc>
                 <a:spcPct val="90000"/>
               </a:lnSpc>
-            </a:pPr>
-            <a:endParaRPr lang="en-IE" altLang="ko-KR" dirty="0">
-              <a:ea typeface="굴림" charset="-127"/>
-            </a:endParaRPr>
-          </a:p>
-          <a:p>
-            <a:pPr>
+              <a:spcBef>
+                <a:spcPts val="500"/>
+              </a:spcBef>
+              <a:buFont typeface="Arial" panose="020B0604020202020204" pitchFamily="34" charset="0"/>
+              <a:buChar char="•"/>
+              <a:defRPr sz="1800" kern="1200">
+                <a:solidFill>
+                  <a:schemeClr val="tx1"/>
+                </a:solidFill>
+                <a:latin typeface="+mn-lt"/>
+                <a:ea typeface="+mn-ea"/>
+                <a:cs typeface="+mn-cs"/>
+              </a:defRPr>
+            </a:lvl7pPr>
+            <a:lvl8pPr marL="3429000" indent="-228600" algn="l" defTabSz="914400" rtl="0" eaLnBrk="1" latinLnBrk="0" hangingPunct="1">
               <a:lnSpc>
                 <a:spcPct val="90000"/>
               </a:lnSpc>
-            </a:pPr>
-            <a:r>
-              <a:rPr lang="ru-RU" altLang="ko-KR" dirty="0">
-                <a:ea typeface="굴림" charset="-127"/>
-              </a:rPr>
-              <a:t>Lorem ipsum dolor sit amet, consectetuer adipiscing elit, sed diam nonummy nibh euismod tincidunt ut laoreet dolore magna aliquam erat volutpat. Ut wisi enim ad minim veniam, quis nostrud exerci tation ullamcorper suscipit lobortis nisl ut aliquip ex ea commodo consequat. </a:t>
-            </a:r>
-            <a:endParaRPr lang="en-US" altLang="ko-KR" dirty="0">
-              <a:ea typeface="굴림" charset="-127"/>
-            </a:endParaRPr>
-          </a:p>
-          <a:p>
-            <a:pPr>
+              <a:spcBef>
+                <a:spcPts val="500"/>
+              </a:spcBef>
+              <a:buFont typeface="Arial" panose="020B0604020202020204" pitchFamily="34" charset="0"/>
+              <a:buChar char="•"/>
+              <a:defRPr sz="1800" kern="1200">
+                <a:solidFill>
+                  <a:schemeClr val="tx1"/>
+                </a:solidFill>
+                <a:latin typeface="+mn-lt"/>
+                <a:ea typeface="+mn-ea"/>
+                <a:cs typeface="+mn-cs"/>
+              </a:defRPr>
+            </a:lvl8pPr>
+            <a:lvl9pPr marL="3886200" indent="-228600" algn="l" defTabSz="914400" rtl="0" eaLnBrk="1" latinLnBrk="0" hangingPunct="1">
               <a:lnSpc>
                 <a:spcPct val="90000"/>
               </a:lnSpc>
-            </a:pPr>
-            <a:endParaRPr lang="en-US" altLang="ko-KR" dirty="0">
-              <a:ea typeface="굴림" charset="-127"/>
-            </a:endParaRPr>
-          </a:p>
-          <a:p>
-            <a:pPr>
+              <a:spcBef>
+                <a:spcPts val="500"/>
+              </a:spcBef>
+              <a:buFont typeface="Arial" panose="020B0604020202020204" pitchFamily="34" charset="0"/>
+              <a:buChar char="•"/>
+              <a:defRPr sz="1800" kern="1200">
+                <a:solidFill>
+                  <a:schemeClr val="tx1"/>
+                </a:solidFill>
+                <a:latin typeface="+mn-lt"/>
+                <a:ea typeface="+mn-ea"/>
+                <a:cs typeface="+mn-cs"/>
+              </a:defRPr>
+            </a:lvl9pPr>
+          </a:lstStyle>
+          <a:p>
+            <a:pPr marL="0" indent="0">
               <a:lnSpc>
                 <a:spcPct val="90000"/>
               </a:lnSpc>
+              <a:buNone/>
             </a:pPr>
-            <a:endParaRPr lang="en-US" altLang="en-US" dirty="0"/>
+            <a:r>
+              <a:rPr lang="en-IE" altLang="en-US" sz="1800" dirty="0">
+                <a:ea typeface="굴림" charset="-127"/>
+              </a:rPr>
+              <a:t>GDPR legislation recognises the right of individuals to be recorded in data stores with recognised titles and/or ethnic name spellings.  </a:t>
+            </a:r>
+            <a:endParaRPr lang="uk-UA" altLang="en-US" sz="1800" dirty="0"/>
+          </a:p>
+          <a:p>
+            <a:pPr marL="0" indent="0">
+              <a:lnSpc>
+                <a:spcPct val="90000"/>
+              </a:lnSpc>
+              <a:buNone/>
+            </a:pPr>
+            <a:endParaRPr lang="en-US" altLang="en-US" sz="1800" dirty="0"/>
           </a:p>
         </p:txBody>
       </p:sp>
+      <p:pic>
+        <p:nvPicPr>
+          <p:cNvPr id="7" name="Content Placeholder 6" descr="A person standing in front of a rock wall&#10;&#10;Description automatically generated with medium confidence">
+            <a:extLst>
+              <a:ext uri="{FF2B5EF4-FFF2-40B4-BE49-F238E27FC236}">
+                <a16:creationId xmlns:a16="http://schemas.microsoft.com/office/drawing/2014/main" id="{86B40AD4-CE45-41F3-831A-97B404DD6DA9}"/>
+              </a:ext>
+            </a:extLst>
+          </p:cNvPr>
+          <p:cNvPicPr>
+            <a:picLocks noGrp="1" noChangeAspect="1"/>
+          </p:cNvPicPr>
+          <p:nvPr>
+            <p:ph idx="1"/>
+          </p:nvPr>
+        </p:nvPicPr>
+        <p:blipFill>
+          <a:blip r:embed="rId2">
+            <a:extLst>
+              <a:ext uri="{28A0092B-C50C-407E-A947-70E740481C1C}">
+                <a14:useLocalDpi xmlns:a14="http://schemas.microsoft.com/office/drawing/2010/main" val="0"/>
+              </a:ext>
+            </a:extLst>
+          </a:blip>
+          <a:stretch>
+            <a:fillRect/>
+          </a:stretch>
+        </p:blipFill>
+        <p:spPr>
+          <a:xfrm>
+            <a:off x="2051720" y="980729"/>
+            <a:ext cx="6150348" cy="3960440"/>
+          </a:xfrm>
+        </p:spPr>
+      </p:pic>
+      <p:pic>
+        <p:nvPicPr>
+          <p:cNvPr id="11" name="Picture 10" descr="A picture containing Word&#10;&#10;Description automatically generated">
+            <a:extLst>
+              <a:ext uri="{FF2B5EF4-FFF2-40B4-BE49-F238E27FC236}">
+                <a16:creationId xmlns:a16="http://schemas.microsoft.com/office/drawing/2014/main" id="{E3A6FA08-F4AD-4C3F-A263-FE24A542F3AB}"/>
+              </a:ext>
+            </a:extLst>
+          </p:cNvPr>
+          <p:cNvPicPr>
+            <a:picLocks noChangeAspect="1"/>
+          </p:cNvPicPr>
+          <p:nvPr/>
+        </p:nvPicPr>
+        <p:blipFill>
+          <a:blip r:embed="rId3">
+            <a:extLst>
+              <a:ext uri="{28A0092B-C50C-407E-A947-70E740481C1C}">
+                <a14:useLocalDpi xmlns:a14="http://schemas.microsoft.com/office/drawing/2010/main" val="0"/>
+              </a:ext>
+            </a:extLst>
+          </a:blip>
+          <a:stretch>
+            <a:fillRect/>
+          </a:stretch>
+        </p:blipFill>
+        <p:spPr>
+          <a:xfrm>
+            <a:off x="1934723" y="5134031"/>
+            <a:ext cx="6267345" cy="790685"/>
+          </a:xfrm>
+          <a:prstGeom prst="rect">
+            <a:avLst/>
+          </a:prstGeom>
+        </p:spPr>
+      </p:pic>
     </p:spTree>
     <p:extLst>
       <p:ext uri="{BB962C8B-B14F-4D97-AF65-F5344CB8AC3E}">
-        <p14:creationId xmlns:p14="http://schemas.microsoft.com/office/powerpoint/2010/main" val="414792102"/>
+        <p14:creationId xmlns:p14="http://schemas.microsoft.com/office/powerpoint/2010/main" val="4212651365"/>
       </p:ext>
     </p:extLst>
   </p:cSld>
   <p:clrMapOvr>
     <a:masterClrMapping/>
   </p:clrMapOvr>
+  <p:transition spd="slow">
+    <p:fade/>
+  </p:transition>
 </p:sld>
 </file>
 
@@ -6605,7 +8615,7 @@
         </p:nvSpPr>
         <p:spPr>
           <a:xfrm>
-            <a:off x="1918925" y="1124744"/>
+            <a:off x="1934723" y="152636"/>
             <a:ext cx="6911975" cy="777875"/>
           </a:xfrm>
         </p:spPr>
@@ -6614,8 +8624,8 @@
           <a:lstStyle/>
           <a:p>
             <a:r>
-              <a:rPr lang="en-GB" dirty="0"/>
-              <a:t>Conduct desk research to identify and critically evaluate publicly available information on the company’s approach to data governance, data privacy and data ethics. </a:t>
+              <a:rPr lang="en-GB"/>
+              <a:t>AML/WLM – Critical Issues</a:t>
             </a:r>
             <a:endParaRPr lang="en-US" altLang="en-US" dirty="0"/>
           </a:p>
@@ -6623,23 +8633,225 @@
       </p:sp>
       <p:sp>
         <p:nvSpPr>
-          <p:cNvPr id="195587" name="Rectangle 3"/>
-          <p:cNvSpPr>
-            <a:spLocks noGrp="1" noChangeArrowheads="1"/>
+          <p:cNvPr id="6" name="Rectangle 3">
+            <a:extLst>
+              <a:ext uri="{FF2B5EF4-FFF2-40B4-BE49-F238E27FC236}">
+                <a16:creationId xmlns:a16="http://schemas.microsoft.com/office/drawing/2014/main" id="{232DFA49-7D4F-4AEA-82DE-BCC12841DACA}"/>
+              </a:ext>
+            </a:extLst>
+          </p:cNvPr>
+          <p:cNvSpPr txBox="1">
+            <a:spLocks noChangeArrowheads="1"/>
           </p:cNvSpPr>
-          <p:nvPr>
-            <p:ph type="body" idx="1"/>
-          </p:nvPr>
+          <p:nvPr/>
         </p:nvSpPr>
-        <p:spPr>
+        <p:spPr bwMode="auto">
           <a:xfrm>
-            <a:off x="1918926" y="4221088"/>
-            <a:ext cx="6911975" cy="2447602"/>
+            <a:off x="1835697" y="1052736"/>
+            <a:ext cx="7045562" cy="4896544"/>
           </a:xfrm>
+          <a:prstGeom prst="rect">
+            <a:avLst/>
+          </a:prstGeom>
+          <a:noFill/>
+          <a:ln>
+            <a:noFill/>
+          </a:ln>
+          <a:effectLst/>
+          <a:extLst>
+            <a:ext uri="{909E8E84-426E-40DD-AFC4-6F175D3DCCD1}">
+              <a14:hiddenFill xmlns:a14="http://schemas.microsoft.com/office/drawing/2010/main">
+                <a:solidFill>
+                  <a:schemeClr val="accent1"/>
+                </a:solidFill>
+              </a14:hiddenFill>
+            </a:ext>
+            <a:ext uri="{91240B29-F687-4F45-9708-019B960494DF}">
+              <a14:hiddenLine xmlns:a14="http://schemas.microsoft.com/office/drawing/2010/main" w="9525">
+                <a:solidFill>
+                  <a:schemeClr val="tx1"/>
+                </a:solidFill>
+                <a:miter lim="800000"/>
+                <a:headEnd/>
+                <a:tailEnd/>
+              </a14:hiddenLine>
+            </a:ext>
+            <a:ext uri="{AF507438-7753-43E0-B8FC-AC1667EBCBE1}">
+              <a14:hiddenEffects xmlns:a14="http://schemas.microsoft.com/office/drawing/2010/main">
+                <a:effectLst>
+                  <a:outerShdw dist="35921" dir="2700000" algn="ctr" rotWithShape="0">
+                    <a:schemeClr val="bg2"/>
+                  </a:outerShdw>
+                </a:effectLst>
+              </a14:hiddenEffects>
+            </a:ext>
+          </a:extLst>
         </p:spPr>
         <p:txBody>
-          <a:bodyPr/>
-          <a:lstStyle/>
+          <a:bodyPr vert="horz" wrap="square" lIns="91440" tIns="45720" rIns="91440" bIns="45720" numCol="1" anchor="t" anchorCtr="0" compatLnSpc="1">
+            <a:prstTxWarp prst="textNoShape">
+              <a:avLst/>
+            </a:prstTxWarp>
+          </a:bodyPr>
+          <a:lstStyle>
+            <a:lvl1pPr marL="342900" indent="-342900" algn="l" rtl="0" fontAlgn="base">
+              <a:spcBef>
+                <a:spcPct val="20000"/>
+              </a:spcBef>
+              <a:spcAft>
+                <a:spcPct val="0"/>
+              </a:spcAft>
+              <a:buChar char="•"/>
+              <a:defRPr sz="2000" kern="1200">
+                <a:solidFill>
+                  <a:srgbClr val="666666"/>
+                </a:solidFill>
+                <a:latin typeface="+mn-lt"/>
+                <a:ea typeface="+mn-ea"/>
+                <a:cs typeface="+mn-cs"/>
+              </a:defRPr>
+            </a:lvl1pPr>
+            <a:lvl2pPr marL="742950" indent="-285750" algn="l" rtl="0" fontAlgn="base">
+              <a:spcBef>
+                <a:spcPct val="20000"/>
+              </a:spcBef>
+              <a:spcAft>
+                <a:spcPct val="0"/>
+              </a:spcAft>
+              <a:buChar char="–"/>
+              <a:defRPr sz="2000" kern="1200">
+                <a:solidFill>
+                  <a:srgbClr val="666666"/>
+                </a:solidFill>
+                <a:latin typeface="+mn-lt"/>
+                <a:ea typeface="+mn-ea"/>
+                <a:cs typeface="+mn-cs"/>
+              </a:defRPr>
+            </a:lvl2pPr>
+            <a:lvl3pPr marL="1143000" indent="-228600" algn="l" rtl="0" fontAlgn="base">
+              <a:spcBef>
+                <a:spcPct val="20000"/>
+              </a:spcBef>
+              <a:spcAft>
+                <a:spcPct val="0"/>
+              </a:spcAft>
+              <a:buChar char="•"/>
+              <a:defRPr sz="2000" kern="1200">
+                <a:solidFill>
+                  <a:srgbClr val="666666"/>
+                </a:solidFill>
+                <a:latin typeface="+mn-lt"/>
+                <a:ea typeface="+mn-ea"/>
+                <a:cs typeface="+mn-cs"/>
+              </a:defRPr>
+            </a:lvl3pPr>
+            <a:lvl4pPr marL="1600200" indent="-228600" algn="l" rtl="0" fontAlgn="base">
+              <a:spcBef>
+                <a:spcPct val="20000"/>
+              </a:spcBef>
+              <a:spcAft>
+                <a:spcPct val="0"/>
+              </a:spcAft>
+              <a:buChar char="–"/>
+              <a:defRPr sz="2000" kern="1200">
+                <a:solidFill>
+                  <a:srgbClr val="666666"/>
+                </a:solidFill>
+                <a:latin typeface="+mn-lt"/>
+                <a:ea typeface="+mn-ea"/>
+                <a:cs typeface="+mn-cs"/>
+              </a:defRPr>
+            </a:lvl4pPr>
+            <a:lvl5pPr marL="2057400" indent="-228600" algn="l" rtl="0" fontAlgn="base">
+              <a:spcBef>
+                <a:spcPct val="20000"/>
+              </a:spcBef>
+              <a:spcAft>
+                <a:spcPct val="0"/>
+              </a:spcAft>
+              <a:buChar char="»"/>
+              <a:defRPr sz="2000" kern="1200">
+                <a:solidFill>
+                  <a:srgbClr val="666666"/>
+                </a:solidFill>
+                <a:latin typeface="+mn-lt"/>
+                <a:ea typeface="+mn-ea"/>
+                <a:cs typeface="+mn-cs"/>
+              </a:defRPr>
+            </a:lvl5pPr>
+            <a:lvl6pPr marL="2514600" indent="-228600" algn="l" defTabSz="914400" rtl="0" eaLnBrk="1" latinLnBrk="0" hangingPunct="1">
+              <a:lnSpc>
+                <a:spcPct val="90000"/>
+              </a:lnSpc>
+              <a:spcBef>
+                <a:spcPts val="500"/>
+              </a:spcBef>
+              <a:buFont typeface="Arial" panose="020B0604020202020204" pitchFamily="34" charset="0"/>
+              <a:buChar char="•"/>
+              <a:defRPr sz="1800" kern="1200">
+                <a:solidFill>
+                  <a:schemeClr val="tx1"/>
+                </a:solidFill>
+                <a:latin typeface="+mn-lt"/>
+                <a:ea typeface="+mn-ea"/>
+                <a:cs typeface="+mn-cs"/>
+              </a:defRPr>
+            </a:lvl6pPr>
+            <a:lvl7pPr marL="2971800" indent="-228600" algn="l" defTabSz="914400" rtl="0" eaLnBrk="1" latinLnBrk="0" hangingPunct="1">
+              <a:lnSpc>
+                <a:spcPct val="90000"/>
+              </a:lnSpc>
+              <a:spcBef>
+                <a:spcPts val="500"/>
+              </a:spcBef>
+              <a:buFont typeface="Arial" panose="020B0604020202020204" pitchFamily="34" charset="0"/>
+              <a:buChar char="•"/>
+              <a:defRPr sz="1800" kern="1200">
+                <a:solidFill>
+                  <a:schemeClr val="tx1"/>
+                </a:solidFill>
+                <a:latin typeface="+mn-lt"/>
+                <a:ea typeface="+mn-ea"/>
+                <a:cs typeface="+mn-cs"/>
+              </a:defRPr>
+            </a:lvl7pPr>
+            <a:lvl8pPr marL="3429000" indent="-228600" algn="l" defTabSz="914400" rtl="0" eaLnBrk="1" latinLnBrk="0" hangingPunct="1">
+              <a:lnSpc>
+                <a:spcPct val="90000"/>
+              </a:lnSpc>
+              <a:spcBef>
+                <a:spcPts val="500"/>
+              </a:spcBef>
+              <a:buFont typeface="Arial" panose="020B0604020202020204" pitchFamily="34" charset="0"/>
+              <a:buChar char="•"/>
+              <a:defRPr sz="1800" kern="1200">
+                <a:solidFill>
+                  <a:schemeClr val="tx1"/>
+                </a:solidFill>
+                <a:latin typeface="+mn-lt"/>
+                <a:ea typeface="+mn-ea"/>
+                <a:cs typeface="+mn-cs"/>
+              </a:defRPr>
+            </a:lvl8pPr>
+            <a:lvl9pPr marL="3886200" indent="-228600" algn="l" defTabSz="914400" rtl="0" eaLnBrk="1" latinLnBrk="0" hangingPunct="1">
+              <a:lnSpc>
+                <a:spcPct val="90000"/>
+              </a:lnSpc>
+              <a:spcBef>
+                <a:spcPts val="500"/>
+              </a:spcBef>
+              <a:buFont typeface="Arial" panose="020B0604020202020204" pitchFamily="34" charset="0"/>
+              <a:buChar char="•"/>
+              <a:defRPr sz="1800" kern="1200">
+                <a:solidFill>
+                  <a:schemeClr val="tx1"/>
+                </a:solidFill>
+                <a:latin typeface="+mn-lt"/>
+                <a:ea typeface="+mn-ea"/>
+                <a:cs typeface="+mn-cs"/>
+              </a:defRPr>
+            </a:lvl9pPr>
+          </a:lstStyle>
           <a:p>
             <a:pPr>
               <a:lnSpc>
@@ -6647,8 +8859,10 @@
               </a:lnSpc>
             </a:pPr>
             <a:r>
-              <a:rPr lang="en-GB" dirty="0"/>
-              <a:t>Highlighting any areas for concern or examples of good practice.</a:t>
+              <a:rPr lang="en-IE" altLang="en-US" sz="1800" dirty="0">
+                <a:ea typeface="굴림" charset="-127"/>
+              </a:rPr>
+              <a:t>Ethics...  </a:t>
             </a:r>
           </a:p>
           <a:p>
@@ -6657,7 +8871,7 @@
                 <a:spcPct val="90000"/>
               </a:lnSpc>
             </a:pPr>
-            <a:endParaRPr lang="en-US" altLang="ko-KR" dirty="0">
+            <a:endParaRPr lang="en-IE" altLang="en-US" sz="1800" dirty="0">
               <a:ea typeface="굴림" charset="-127"/>
             </a:endParaRPr>
           </a:p>
@@ -6668,12 +8882,11 @@
               </a:lnSpc>
             </a:pPr>
             <a:r>
-              <a:rPr lang="ru-RU" altLang="ko-KR" dirty="0">
+              <a:rPr lang="en-IE" altLang="en-US" sz="1800" dirty="0">
                 <a:ea typeface="굴림" charset="-127"/>
               </a:rPr>
-              <a:t>Duis autem vel eum iriure dolor in hendrerit in vulputate velit esse molestie consequat, vel illum dolore eu feugiat nulla facilisis at vero eros et accumsan et iusto odio dignissim qui blandit praesent luptatum zzril delenit augue duis dolore te feugait nulla facilisi. </a:t>
-            </a:r>
-            <a:endParaRPr lang="uk-UA" altLang="en-US" dirty="0"/>
+              <a:t>Data Governance…</a:t>
+            </a:r>
           </a:p>
           <a:p>
             <a:pPr>
@@ -6681,20 +8894,48 @@
                 <a:spcPct val="90000"/>
               </a:lnSpc>
             </a:pPr>
-            <a:endParaRPr lang="en-US" altLang="en-US" dirty="0"/>
+            <a:endParaRPr lang="en-IE" altLang="en-US" sz="1800" dirty="0">
+              <a:ea typeface="굴림" charset="-127"/>
+            </a:endParaRPr>
+          </a:p>
+          <a:p>
+            <a:pPr>
+              <a:lnSpc>
+                <a:spcPct val="90000"/>
+              </a:lnSpc>
+            </a:pPr>
+            <a:r>
+              <a:rPr lang="en-IE" altLang="en-US" sz="1800" dirty="0">
+                <a:ea typeface="굴림" charset="-127"/>
+              </a:rPr>
+              <a:t>Data Privacy…</a:t>
+            </a:r>
+            <a:endParaRPr lang="uk-UA" altLang="en-US" sz="1800" dirty="0"/>
+          </a:p>
+          <a:p>
+            <a:pPr marL="0" indent="0">
+              <a:lnSpc>
+                <a:spcPct val="90000"/>
+              </a:lnSpc>
+              <a:buNone/>
+            </a:pPr>
+            <a:endParaRPr lang="en-US" altLang="en-US" sz="1800" dirty="0"/>
           </a:p>
         </p:txBody>
       </p:sp>
     </p:spTree>
     <p:extLst>
       <p:ext uri="{BB962C8B-B14F-4D97-AF65-F5344CB8AC3E}">
-        <p14:creationId xmlns:p14="http://schemas.microsoft.com/office/powerpoint/2010/main" val="1356156414"/>
+        <p14:creationId xmlns:p14="http://schemas.microsoft.com/office/powerpoint/2010/main" val="2793016338"/>
       </p:ext>
     </p:extLst>
   </p:cSld>
   <p:clrMapOvr>
     <a:masterClrMapping/>
   </p:clrMapOvr>
+  <p:transition spd="slow">
+    <p:fade/>
+  </p:transition>
 </p:sld>
 </file>
 
@@ -6727,7 +8968,7 @@
         </p:nvSpPr>
         <p:spPr>
           <a:xfrm>
-            <a:off x="1918925" y="1124744"/>
+            <a:off x="1934723" y="152636"/>
             <a:ext cx="6911975" cy="777875"/>
           </a:xfrm>
         </p:spPr>
@@ -6736,8 +8977,8 @@
           <a:lstStyle/>
           <a:p>
             <a:r>
-              <a:rPr lang="en-GB" dirty="0"/>
-              <a:t>Conduct desk research to identify and critically evaluate publicly available information on the company’s approach to data governance, data privacy and data ethics. </a:t>
+              <a:rPr lang="en-GB"/>
+              <a:t>BAE Digital Intelligence NetReveal</a:t>
             </a:r>
             <a:endParaRPr lang="en-US" altLang="en-US" dirty="0"/>
           </a:p>
@@ -6745,23 +8986,225 @@
       </p:sp>
       <p:sp>
         <p:nvSpPr>
-          <p:cNvPr id="195587" name="Rectangle 3"/>
-          <p:cNvSpPr>
-            <a:spLocks noGrp="1" noChangeArrowheads="1"/>
+          <p:cNvPr id="6" name="Rectangle 3">
+            <a:extLst>
+              <a:ext uri="{FF2B5EF4-FFF2-40B4-BE49-F238E27FC236}">
+                <a16:creationId xmlns:a16="http://schemas.microsoft.com/office/drawing/2014/main" id="{232DFA49-7D4F-4AEA-82DE-BCC12841DACA}"/>
+              </a:ext>
+            </a:extLst>
+          </p:cNvPr>
+          <p:cNvSpPr txBox="1">
+            <a:spLocks noChangeArrowheads="1"/>
           </p:cNvSpPr>
-          <p:nvPr>
-            <p:ph type="body" idx="1"/>
-          </p:nvPr>
+          <p:nvPr/>
         </p:nvSpPr>
-        <p:spPr>
+        <p:spPr bwMode="auto">
           <a:xfrm>
-            <a:off x="1918926" y="4221088"/>
-            <a:ext cx="6911975" cy="2447602"/>
+            <a:off x="2051719" y="1844824"/>
+            <a:ext cx="6911974" cy="2088232"/>
           </a:xfrm>
+          <a:prstGeom prst="rect">
+            <a:avLst/>
+          </a:prstGeom>
+          <a:noFill/>
+          <a:ln>
+            <a:noFill/>
+          </a:ln>
+          <a:effectLst/>
+          <a:extLst>
+            <a:ext uri="{909E8E84-426E-40DD-AFC4-6F175D3DCCD1}">
+              <a14:hiddenFill xmlns:a14="http://schemas.microsoft.com/office/drawing/2010/main">
+                <a:solidFill>
+                  <a:schemeClr val="accent1"/>
+                </a:solidFill>
+              </a14:hiddenFill>
+            </a:ext>
+            <a:ext uri="{91240B29-F687-4F45-9708-019B960494DF}">
+              <a14:hiddenLine xmlns:a14="http://schemas.microsoft.com/office/drawing/2010/main" w="9525">
+                <a:solidFill>
+                  <a:schemeClr val="tx1"/>
+                </a:solidFill>
+                <a:miter lim="800000"/>
+                <a:headEnd/>
+                <a:tailEnd/>
+              </a14:hiddenLine>
+            </a:ext>
+            <a:ext uri="{AF507438-7753-43E0-B8FC-AC1667EBCBE1}">
+              <a14:hiddenEffects xmlns:a14="http://schemas.microsoft.com/office/drawing/2010/main">
+                <a:effectLst>
+                  <a:outerShdw dist="35921" dir="2700000" algn="ctr" rotWithShape="0">
+                    <a:schemeClr val="bg2"/>
+                  </a:outerShdw>
+                </a:effectLst>
+              </a14:hiddenEffects>
+            </a:ext>
+          </a:extLst>
         </p:spPr>
         <p:txBody>
-          <a:bodyPr/>
-          <a:lstStyle/>
+          <a:bodyPr vert="horz" wrap="square" lIns="91440" tIns="45720" rIns="91440" bIns="45720" numCol="1" anchor="t" anchorCtr="0" compatLnSpc="1">
+            <a:prstTxWarp prst="textNoShape">
+              <a:avLst/>
+            </a:prstTxWarp>
+          </a:bodyPr>
+          <a:lstStyle>
+            <a:lvl1pPr marL="342900" indent="-342900" algn="l" rtl="0" fontAlgn="base">
+              <a:spcBef>
+                <a:spcPct val="20000"/>
+              </a:spcBef>
+              <a:spcAft>
+                <a:spcPct val="0"/>
+              </a:spcAft>
+              <a:buChar char="•"/>
+              <a:defRPr sz="2000" kern="1200">
+                <a:solidFill>
+                  <a:srgbClr val="666666"/>
+                </a:solidFill>
+                <a:latin typeface="+mn-lt"/>
+                <a:ea typeface="+mn-ea"/>
+                <a:cs typeface="+mn-cs"/>
+              </a:defRPr>
+            </a:lvl1pPr>
+            <a:lvl2pPr marL="742950" indent="-285750" algn="l" rtl="0" fontAlgn="base">
+              <a:spcBef>
+                <a:spcPct val="20000"/>
+              </a:spcBef>
+              <a:spcAft>
+                <a:spcPct val="0"/>
+              </a:spcAft>
+              <a:buChar char="–"/>
+              <a:defRPr sz="2000" kern="1200">
+                <a:solidFill>
+                  <a:srgbClr val="666666"/>
+                </a:solidFill>
+                <a:latin typeface="+mn-lt"/>
+                <a:ea typeface="+mn-ea"/>
+                <a:cs typeface="+mn-cs"/>
+              </a:defRPr>
+            </a:lvl2pPr>
+            <a:lvl3pPr marL="1143000" indent="-228600" algn="l" rtl="0" fontAlgn="base">
+              <a:spcBef>
+                <a:spcPct val="20000"/>
+              </a:spcBef>
+              <a:spcAft>
+                <a:spcPct val="0"/>
+              </a:spcAft>
+              <a:buChar char="•"/>
+              <a:defRPr sz="2000" kern="1200">
+                <a:solidFill>
+                  <a:srgbClr val="666666"/>
+                </a:solidFill>
+                <a:latin typeface="+mn-lt"/>
+                <a:ea typeface="+mn-ea"/>
+                <a:cs typeface="+mn-cs"/>
+              </a:defRPr>
+            </a:lvl3pPr>
+            <a:lvl4pPr marL="1600200" indent="-228600" algn="l" rtl="0" fontAlgn="base">
+              <a:spcBef>
+                <a:spcPct val="20000"/>
+              </a:spcBef>
+              <a:spcAft>
+                <a:spcPct val="0"/>
+              </a:spcAft>
+              <a:buChar char="–"/>
+              <a:defRPr sz="2000" kern="1200">
+                <a:solidFill>
+                  <a:srgbClr val="666666"/>
+                </a:solidFill>
+                <a:latin typeface="+mn-lt"/>
+                <a:ea typeface="+mn-ea"/>
+                <a:cs typeface="+mn-cs"/>
+              </a:defRPr>
+            </a:lvl4pPr>
+            <a:lvl5pPr marL="2057400" indent="-228600" algn="l" rtl="0" fontAlgn="base">
+              <a:spcBef>
+                <a:spcPct val="20000"/>
+              </a:spcBef>
+              <a:spcAft>
+                <a:spcPct val="0"/>
+              </a:spcAft>
+              <a:buChar char="»"/>
+              <a:defRPr sz="2000" kern="1200">
+                <a:solidFill>
+                  <a:srgbClr val="666666"/>
+                </a:solidFill>
+                <a:latin typeface="+mn-lt"/>
+                <a:ea typeface="+mn-ea"/>
+                <a:cs typeface="+mn-cs"/>
+              </a:defRPr>
+            </a:lvl5pPr>
+            <a:lvl6pPr marL="2514600" indent="-228600" algn="l" defTabSz="914400" rtl="0" eaLnBrk="1" latinLnBrk="0" hangingPunct="1">
+              <a:lnSpc>
+                <a:spcPct val="90000"/>
+              </a:lnSpc>
+              <a:spcBef>
+                <a:spcPts val="500"/>
+              </a:spcBef>
+              <a:buFont typeface="Arial" panose="020B0604020202020204" pitchFamily="34" charset="0"/>
+              <a:buChar char="•"/>
+              <a:defRPr sz="1800" kern="1200">
+                <a:solidFill>
+                  <a:schemeClr val="tx1"/>
+                </a:solidFill>
+                <a:latin typeface="+mn-lt"/>
+                <a:ea typeface="+mn-ea"/>
+                <a:cs typeface="+mn-cs"/>
+              </a:defRPr>
+            </a:lvl6pPr>
+            <a:lvl7pPr marL="2971800" indent="-228600" algn="l" defTabSz="914400" rtl="0" eaLnBrk="1" latinLnBrk="0" hangingPunct="1">
+              <a:lnSpc>
+                <a:spcPct val="90000"/>
+              </a:lnSpc>
+              <a:spcBef>
+                <a:spcPts val="500"/>
+              </a:spcBef>
+              <a:buFont typeface="Arial" panose="020B0604020202020204" pitchFamily="34" charset="0"/>
+              <a:buChar char="•"/>
+              <a:defRPr sz="1800" kern="1200">
+                <a:solidFill>
+                  <a:schemeClr val="tx1"/>
+                </a:solidFill>
+                <a:latin typeface="+mn-lt"/>
+                <a:ea typeface="+mn-ea"/>
+                <a:cs typeface="+mn-cs"/>
+              </a:defRPr>
+            </a:lvl7pPr>
+            <a:lvl8pPr marL="3429000" indent="-228600" algn="l" defTabSz="914400" rtl="0" eaLnBrk="1" latinLnBrk="0" hangingPunct="1">
+              <a:lnSpc>
+                <a:spcPct val="90000"/>
+              </a:lnSpc>
+              <a:spcBef>
+                <a:spcPts val="500"/>
+              </a:spcBef>
+              <a:buFont typeface="Arial" panose="020B0604020202020204" pitchFamily="34" charset="0"/>
+              <a:buChar char="•"/>
+              <a:defRPr sz="1800" kern="1200">
+                <a:solidFill>
+                  <a:schemeClr val="tx1"/>
+                </a:solidFill>
+                <a:latin typeface="+mn-lt"/>
+                <a:ea typeface="+mn-ea"/>
+                <a:cs typeface="+mn-cs"/>
+              </a:defRPr>
+            </a:lvl8pPr>
+            <a:lvl9pPr marL="3886200" indent="-228600" algn="l" defTabSz="914400" rtl="0" eaLnBrk="1" latinLnBrk="0" hangingPunct="1">
+              <a:lnSpc>
+                <a:spcPct val="90000"/>
+              </a:lnSpc>
+              <a:spcBef>
+                <a:spcPts val="500"/>
+              </a:spcBef>
+              <a:buFont typeface="Arial" panose="020B0604020202020204" pitchFamily="34" charset="0"/>
+              <a:buChar char="•"/>
+              <a:defRPr sz="1800" kern="1200">
+                <a:solidFill>
+                  <a:schemeClr val="tx1"/>
+                </a:solidFill>
+                <a:latin typeface="+mn-lt"/>
+                <a:ea typeface="+mn-ea"/>
+                <a:cs typeface="+mn-cs"/>
+              </a:defRPr>
+            </a:lvl9pPr>
+          </a:lstStyle>
           <a:p>
             <a:pPr>
               <a:lnSpc>
@@ -6769,8 +9212,10 @@
               </a:lnSpc>
             </a:pPr>
             <a:r>
-              <a:rPr lang="en-GB" dirty="0"/>
-              <a:t>Slide 1. Highlighting any areas for concern or examples of good practice.</a:t>
+              <a:rPr lang="en-IE" altLang="en-US" sz="1800">
+                <a:ea typeface="굴림" charset="-127"/>
+              </a:rPr>
+              <a:t>The BAE D.I. NetReveal (NR) AML/WLM solution is one of the key vendor offering in this Compliance space for FIs.</a:t>
             </a:r>
           </a:p>
           <a:p>
@@ -6779,7 +9224,7 @@
                 <a:spcPct val="90000"/>
               </a:lnSpc>
             </a:pPr>
-            <a:endParaRPr lang="en-US" altLang="ko-KR" dirty="0">
+            <a:endParaRPr lang="en-IE" altLang="en-US" sz="1800">
               <a:ea typeface="굴림" charset="-127"/>
             </a:endParaRPr>
           </a:p>
@@ -6790,12 +9235,11 @@
               </a:lnSpc>
             </a:pPr>
             <a:r>
-              <a:rPr lang="ru-RU" altLang="ko-KR" dirty="0">
+              <a:rPr lang="en-IE" altLang="en-US" sz="1800">
                 <a:ea typeface="굴림" charset="-127"/>
               </a:rPr>
-              <a:t>Duis autem vel eum iriure dolor in hendrerit in vulputate velit esse molestie consequat, vel illum dolore eu feugiat nulla facilisis at vero eros et accumsan et iusto odio dignissim qui blandit praesent luptatum zzril delenit augue duis dolore te feugait nulla facilisi. </a:t>
-            </a:r>
-            <a:endParaRPr lang="uk-UA" altLang="en-US" dirty="0"/>
+              <a:t>Market presence is significant in the EMEA and Asia Pacific regions.</a:t>
+            </a:r>
           </a:p>
           <a:p>
             <a:pPr>
@@ -6803,20 +9247,184 @@
                 <a:spcPct val="90000"/>
               </a:lnSpc>
             </a:pPr>
-            <a:endParaRPr lang="en-US" altLang="en-US" dirty="0"/>
+            <a:endParaRPr lang="en-IE" altLang="en-US" sz="1800">
+              <a:ea typeface="굴림" charset="-127"/>
+            </a:endParaRPr>
+          </a:p>
+          <a:p>
+            <a:pPr>
+              <a:lnSpc>
+                <a:spcPct val="90000"/>
+              </a:lnSpc>
+            </a:pPr>
+            <a:r>
+              <a:rPr lang="en-IE" altLang="en-US" sz="1800">
+                <a:ea typeface="굴림" charset="-127"/>
+              </a:rPr>
+              <a:t>NR name screening processes face all the key challenges with modern AML/WLM systems.</a:t>
+            </a:r>
+          </a:p>
+          <a:p>
+            <a:pPr>
+              <a:lnSpc>
+                <a:spcPct val="90000"/>
+              </a:lnSpc>
+            </a:pPr>
+            <a:endParaRPr lang="en-IE" altLang="en-US" sz="1800">
+              <a:ea typeface="굴림" charset="-127"/>
+            </a:endParaRPr>
+          </a:p>
+          <a:p>
+            <a:pPr>
+              <a:lnSpc>
+                <a:spcPct val="90000"/>
+              </a:lnSpc>
+            </a:pPr>
+            <a:endParaRPr lang="en-IE" altLang="en-US" sz="1800">
+              <a:ea typeface="굴림" charset="-127"/>
+            </a:endParaRPr>
+          </a:p>
+          <a:p>
+            <a:pPr marL="0" indent="0">
+              <a:lnSpc>
+                <a:spcPct val="90000"/>
+              </a:lnSpc>
+              <a:buNone/>
+            </a:pPr>
+            <a:endParaRPr lang="uk-UA" altLang="en-US" sz="1800"/>
+          </a:p>
+          <a:p>
+            <a:pPr marL="0" indent="0">
+              <a:lnSpc>
+                <a:spcPct val="90000"/>
+              </a:lnSpc>
+              <a:buNone/>
+            </a:pPr>
+            <a:endParaRPr lang="en-US" altLang="en-US" sz="1800" dirty="0"/>
           </a:p>
         </p:txBody>
       </p:sp>
+      <p:pic>
+        <p:nvPicPr>
+          <p:cNvPr id="5" name="Picture 4" descr="Icon&#10;&#10;Description automatically generated with low confidence">
+            <a:extLst>
+              <a:ext uri="{FF2B5EF4-FFF2-40B4-BE49-F238E27FC236}">
+                <a16:creationId xmlns:a16="http://schemas.microsoft.com/office/drawing/2014/main" id="{FE835A60-3339-4D4E-A72D-5F60BDF9BF00}"/>
+              </a:ext>
+            </a:extLst>
+          </p:cNvPr>
+          <p:cNvPicPr>
+            <a:picLocks noChangeAspect="1"/>
+          </p:cNvPicPr>
+          <p:nvPr/>
+        </p:nvPicPr>
+        <p:blipFill>
+          <a:blip r:embed="rId2">
+            <a:extLst>
+              <a:ext uri="{28A0092B-C50C-407E-A947-70E740481C1C}">
+                <a14:useLocalDpi xmlns:a14="http://schemas.microsoft.com/office/drawing/2010/main" val="0"/>
+              </a:ext>
+            </a:extLst>
+          </a:blip>
+          <a:stretch>
+            <a:fillRect/>
+          </a:stretch>
+        </p:blipFill>
+        <p:spPr>
+          <a:xfrm>
+            <a:off x="2051718" y="836712"/>
+            <a:ext cx="6911975" cy="936104"/>
+          </a:xfrm>
+          <a:prstGeom prst="rect">
+            <a:avLst/>
+          </a:prstGeom>
+        </p:spPr>
+      </p:pic>
+      <p:pic>
+        <p:nvPicPr>
+          <p:cNvPr id="8" name="Picture 7" descr="Diagram&#10;&#10;Description automatically generated">
+            <a:extLst>
+              <a:ext uri="{FF2B5EF4-FFF2-40B4-BE49-F238E27FC236}">
+                <a16:creationId xmlns:a16="http://schemas.microsoft.com/office/drawing/2014/main" id="{B9256B1A-EF73-4C11-B1E9-1F3970609FD7}"/>
+              </a:ext>
+            </a:extLst>
+          </p:cNvPr>
+          <p:cNvPicPr>
+            <a:picLocks noChangeAspect="1"/>
+          </p:cNvPicPr>
+          <p:nvPr/>
+        </p:nvPicPr>
+        <p:blipFill>
+          <a:blip r:embed="rId3">
+            <a:extLst>
+              <a:ext uri="{28A0092B-C50C-407E-A947-70E740481C1C}">
+                <a14:useLocalDpi xmlns:a14="http://schemas.microsoft.com/office/drawing/2010/main" val="0"/>
+              </a:ext>
+            </a:extLst>
+          </a:blip>
+          <a:stretch>
+            <a:fillRect/>
+          </a:stretch>
+        </p:blipFill>
+        <p:spPr>
+          <a:xfrm>
+            <a:off x="1934722" y="4149080"/>
+            <a:ext cx="7101773" cy="2556284"/>
+          </a:xfrm>
+          <a:prstGeom prst="rect">
+            <a:avLst/>
+          </a:prstGeom>
+        </p:spPr>
+      </p:pic>
+      <p:pic>
+        <p:nvPicPr>
+          <p:cNvPr id="10" name="Picture 9" descr="Text&#10;&#10;Description automatically generated">
+            <a:extLst>
+              <a:ext uri="{FF2B5EF4-FFF2-40B4-BE49-F238E27FC236}">
+                <a16:creationId xmlns:a16="http://schemas.microsoft.com/office/drawing/2014/main" id="{6FB19A6C-98CC-4EA1-8C02-22EDCA8A7B74}"/>
+              </a:ext>
+            </a:extLst>
+          </p:cNvPr>
+          <p:cNvPicPr>
+            <a:picLocks noChangeAspect="1"/>
+          </p:cNvPicPr>
+          <p:nvPr/>
+        </p:nvPicPr>
+        <p:blipFill>
+          <a:blip r:embed="rId4">
+            <a:extLst>
+              <a:ext uri="{28A0092B-C50C-407E-A947-70E740481C1C}">
+                <a14:useLocalDpi xmlns:a14="http://schemas.microsoft.com/office/drawing/2010/main" val="0"/>
+              </a:ext>
+            </a:extLst>
+          </a:blip>
+          <a:stretch>
+            <a:fillRect/>
+          </a:stretch>
+        </p:blipFill>
+        <p:spPr>
+          <a:xfrm>
+            <a:off x="5076056" y="5941859"/>
+            <a:ext cx="2429214" cy="885949"/>
+          </a:xfrm>
+          <a:prstGeom prst="rect">
+            <a:avLst/>
+          </a:prstGeom>
+        </p:spPr>
+      </p:pic>
     </p:spTree>
     <p:extLst>
       <p:ext uri="{BB962C8B-B14F-4D97-AF65-F5344CB8AC3E}">
-        <p14:creationId xmlns:p14="http://schemas.microsoft.com/office/powerpoint/2010/main" val="2801689248"/>
+        <p14:creationId xmlns:p14="http://schemas.microsoft.com/office/powerpoint/2010/main" val="1959605964"/>
       </p:ext>
     </p:extLst>
   </p:cSld>
   <p:clrMapOvr>
     <a:masterClrMapping/>
   </p:clrMapOvr>
+  <p:transition spd="slow">
+    <p:fade/>
+  </p:transition>
 </p:sld>
 </file>
 
@@ -6849,7 +9457,7 @@
         </p:nvSpPr>
         <p:spPr>
           <a:xfrm>
-            <a:off x="1918925" y="1124744"/>
+            <a:off x="1934723" y="152636"/>
             <a:ext cx="6911975" cy="777875"/>
           </a:xfrm>
         </p:spPr>
@@ -6858,8 +9466,8 @@
           <a:lstStyle/>
           <a:p>
             <a:r>
-              <a:rPr lang="en-GB" dirty="0"/>
-              <a:t>Conduct desk research to identify and critically evaluate publicly available information on the company’s approach to data governance, data privacy and data ethics. </a:t>
+              <a:rPr lang="en-GB"/>
+              <a:t>BAE Digital Intelligence NetReveal</a:t>
             </a:r>
             <a:endParaRPr lang="en-US" altLang="en-US" dirty="0"/>
           </a:p>
@@ -6867,33 +9475,248 @@
       </p:sp>
       <p:sp>
         <p:nvSpPr>
-          <p:cNvPr id="195587" name="Rectangle 3"/>
-          <p:cNvSpPr>
-            <a:spLocks noGrp="1" noChangeArrowheads="1"/>
+          <p:cNvPr id="6" name="Rectangle 3">
+            <a:extLst>
+              <a:ext uri="{FF2B5EF4-FFF2-40B4-BE49-F238E27FC236}">
+                <a16:creationId xmlns:a16="http://schemas.microsoft.com/office/drawing/2014/main" id="{232DFA49-7D4F-4AEA-82DE-BCC12841DACA}"/>
+              </a:ext>
+            </a:extLst>
+          </p:cNvPr>
+          <p:cNvSpPr txBox="1">
+            <a:spLocks noChangeArrowheads="1"/>
           </p:cNvSpPr>
-          <p:nvPr>
-            <p:ph type="body" idx="1"/>
-          </p:nvPr>
+          <p:nvPr/>
         </p:nvSpPr>
-        <p:spPr>
+        <p:spPr bwMode="auto">
           <a:xfrm>
-            <a:off x="1918926" y="4221088"/>
-            <a:ext cx="6911975" cy="2447602"/>
+            <a:off x="2051719" y="1844824"/>
+            <a:ext cx="6911974" cy="2088232"/>
           </a:xfrm>
+          <a:prstGeom prst="rect">
+            <a:avLst/>
+          </a:prstGeom>
+          <a:noFill/>
+          <a:ln>
+            <a:noFill/>
+          </a:ln>
+          <a:effectLst/>
+          <a:extLst>
+            <a:ext uri="{909E8E84-426E-40DD-AFC4-6F175D3DCCD1}">
+              <a14:hiddenFill xmlns:a14="http://schemas.microsoft.com/office/drawing/2010/main">
+                <a:solidFill>
+                  <a:schemeClr val="accent1"/>
+                </a:solidFill>
+              </a14:hiddenFill>
+            </a:ext>
+            <a:ext uri="{91240B29-F687-4F45-9708-019B960494DF}">
+              <a14:hiddenLine xmlns:a14="http://schemas.microsoft.com/office/drawing/2010/main" w="9525">
+                <a:solidFill>
+                  <a:schemeClr val="tx1"/>
+                </a:solidFill>
+                <a:miter lim="800000"/>
+                <a:headEnd/>
+                <a:tailEnd/>
+              </a14:hiddenLine>
+            </a:ext>
+            <a:ext uri="{AF507438-7753-43E0-B8FC-AC1667EBCBE1}">
+              <a14:hiddenEffects xmlns:a14="http://schemas.microsoft.com/office/drawing/2010/main">
+                <a:effectLst>
+                  <a:outerShdw dist="35921" dir="2700000" algn="ctr" rotWithShape="0">
+                    <a:schemeClr val="bg2"/>
+                  </a:outerShdw>
+                </a:effectLst>
+              </a14:hiddenEffects>
+            </a:ext>
+          </a:extLst>
         </p:spPr>
         <p:txBody>
-          <a:bodyPr/>
-          <a:lstStyle/>
+          <a:bodyPr vert="horz" wrap="square" lIns="91440" tIns="45720" rIns="91440" bIns="45720" numCol="1" anchor="t" anchorCtr="0" compatLnSpc="1">
+            <a:prstTxWarp prst="textNoShape">
+              <a:avLst/>
+            </a:prstTxWarp>
+          </a:bodyPr>
+          <a:lstStyle>
+            <a:lvl1pPr marL="342900" indent="-342900" algn="l" rtl="0" fontAlgn="base">
+              <a:spcBef>
+                <a:spcPct val="20000"/>
+              </a:spcBef>
+              <a:spcAft>
+                <a:spcPct val="0"/>
+              </a:spcAft>
+              <a:buChar char="•"/>
+              <a:defRPr sz="2000" kern="1200">
+                <a:solidFill>
+                  <a:srgbClr val="666666"/>
+                </a:solidFill>
+                <a:latin typeface="+mn-lt"/>
+                <a:ea typeface="+mn-ea"/>
+                <a:cs typeface="+mn-cs"/>
+              </a:defRPr>
+            </a:lvl1pPr>
+            <a:lvl2pPr marL="742950" indent="-285750" algn="l" rtl="0" fontAlgn="base">
+              <a:spcBef>
+                <a:spcPct val="20000"/>
+              </a:spcBef>
+              <a:spcAft>
+                <a:spcPct val="0"/>
+              </a:spcAft>
+              <a:buChar char="–"/>
+              <a:defRPr sz="2000" kern="1200">
+                <a:solidFill>
+                  <a:srgbClr val="666666"/>
+                </a:solidFill>
+                <a:latin typeface="+mn-lt"/>
+                <a:ea typeface="+mn-ea"/>
+                <a:cs typeface="+mn-cs"/>
+              </a:defRPr>
+            </a:lvl2pPr>
+            <a:lvl3pPr marL="1143000" indent="-228600" algn="l" rtl="0" fontAlgn="base">
+              <a:spcBef>
+                <a:spcPct val="20000"/>
+              </a:spcBef>
+              <a:spcAft>
+                <a:spcPct val="0"/>
+              </a:spcAft>
+              <a:buChar char="•"/>
+              <a:defRPr sz="2000" kern="1200">
+                <a:solidFill>
+                  <a:srgbClr val="666666"/>
+                </a:solidFill>
+                <a:latin typeface="+mn-lt"/>
+                <a:ea typeface="+mn-ea"/>
+                <a:cs typeface="+mn-cs"/>
+              </a:defRPr>
+            </a:lvl3pPr>
+            <a:lvl4pPr marL="1600200" indent="-228600" algn="l" rtl="0" fontAlgn="base">
+              <a:spcBef>
+                <a:spcPct val="20000"/>
+              </a:spcBef>
+              <a:spcAft>
+                <a:spcPct val="0"/>
+              </a:spcAft>
+              <a:buChar char="–"/>
+              <a:defRPr sz="2000" kern="1200">
+                <a:solidFill>
+                  <a:srgbClr val="666666"/>
+                </a:solidFill>
+                <a:latin typeface="+mn-lt"/>
+                <a:ea typeface="+mn-ea"/>
+                <a:cs typeface="+mn-cs"/>
+              </a:defRPr>
+            </a:lvl4pPr>
+            <a:lvl5pPr marL="2057400" indent="-228600" algn="l" rtl="0" fontAlgn="base">
+              <a:spcBef>
+                <a:spcPct val="20000"/>
+              </a:spcBef>
+              <a:spcAft>
+                <a:spcPct val="0"/>
+              </a:spcAft>
+              <a:buChar char="»"/>
+              <a:defRPr sz="2000" kern="1200">
+                <a:solidFill>
+                  <a:srgbClr val="666666"/>
+                </a:solidFill>
+                <a:latin typeface="+mn-lt"/>
+                <a:ea typeface="+mn-ea"/>
+                <a:cs typeface="+mn-cs"/>
+              </a:defRPr>
+            </a:lvl5pPr>
+            <a:lvl6pPr marL="2514600" indent="-228600" algn="l" defTabSz="914400" rtl="0" eaLnBrk="1" latinLnBrk="0" hangingPunct="1">
+              <a:lnSpc>
+                <a:spcPct val="90000"/>
+              </a:lnSpc>
+              <a:spcBef>
+                <a:spcPts val="500"/>
+              </a:spcBef>
+              <a:buFont typeface="Arial" panose="020B0604020202020204" pitchFamily="34" charset="0"/>
+              <a:buChar char="•"/>
+              <a:defRPr sz="1800" kern="1200">
+                <a:solidFill>
+                  <a:schemeClr val="tx1"/>
+                </a:solidFill>
+                <a:latin typeface="+mn-lt"/>
+                <a:ea typeface="+mn-ea"/>
+                <a:cs typeface="+mn-cs"/>
+              </a:defRPr>
+            </a:lvl6pPr>
+            <a:lvl7pPr marL="2971800" indent="-228600" algn="l" defTabSz="914400" rtl="0" eaLnBrk="1" latinLnBrk="0" hangingPunct="1">
+              <a:lnSpc>
+                <a:spcPct val="90000"/>
+              </a:lnSpc>
+              <a:spcBef>
+                <a:spcPts val="500"/>
+              </a:spcBef>
+              <a:buFont typeface="Arial" panose="020B0604020202020204" pitchFamily="34" charset="0"/>
+              <a:buChar char="•"/>
+              <a:defRPr sz="1800" kern="1200">
+                <a:solidFill>
+                  <a:schemeClr val="tx1"/>
+                </a:solidFill>
+                <a:latin typeface="+mn-lt"/>
+                <a:ea typeface="+mn-ea"/>
+                <a:cs typeface="+mn-cs"/>
+              </a:defRPr>
+            </a:lvl7pPr>
+            <a:lvl8pPr marL="3429000" indent="-228600" algn="l" defTabSz="914400" rtl="0" eaLnBrk="1" latinLnBrk="0" hangingPunct="1">
+              <a:lnSpc>
+                <a:spcPct val="90000"/>
+              </a:lnSpc>
+              <a:spcBef>
+                <a:spcPts val="500"/>
+              </a:spcBef>
+              <a:buFont typeface="Arial" panose="020B0604020202020204" pitchFamily="34" charset="0"/>
+              <a:buChar char="•"/>
+              <a:defRPr sz="1800" kern="1200">
+                <a:solidFill>
+                  <a:schemeClr val="tx1"/>
+                </a:solidFill>
+                <a:latin typeface="+mn-lt"/>
+                <a:ea typeface="+mn-ea"/>
+                <a:cs typeface="+mn-cs"/>
+              </a:defRPr>
+            </a:lvl8pPr>
+            <a:lvl9pPr marL="3886200" indent="-228600" algn="l" defTabSz="914400" rtl="0" eaLnBrk="1" latinLnBrk="0" hangingPunct="1">
+              <a:lnSpc>
+                <a:spcPct val="90000"/>
+              </a:lnSpc>
+              <a:spcBef>
+                <a:spcPts val="500"/>
+              </a:spcBef>
+              <a:buFont typeface="Arial" panose="020B0604020202020204" pitchFamily="34" charset="0"/>
+              <a:buChar char="•"/>
+              <a:defRPr sz="1800" kern="1200">
+                <a:solidFill>
+                  <a:schemeClr val="tx1"/>
+                </a:solidFill>
+                <a:latin typeface="+mn-lt"/>
+                <a:ea typeface="+mn-ea"/>
+                <a:cs typeface="+mn-cs"/>
+              </a:defRPr>
+            </a:lvl9pPr>
+          </a:lstStyle>
+          <a:p>
+            <a:pPr marL="0" indent="0">
+              <a:lnSpc>
+                <a:spcPct val="90000"/>
+              </a:lnSpc>
+              <a:buNone/>
+            </a:pPr>
+            <a:r>
+              <a:rPr lang="en-IE" altLang="en-US" b="1" dirty="0">
+                <a:ea typeface="굴림" charset="-127"/>
+              </a:rPr>
+              <a:t>Data Governance</a:t>
+            </a:r>
+          </a:p>
           <a:p>
             <a:pPr>
               <a:lnSpc>
                 <a:spcPct val="90000"/>
               </a:lnSpc>
             </a:pPr>
-            <a:r>
-              <a:rPr lang="en-GB" dirty="0"/>
-              <a:t>Slide 2. Highlighting any areas for concern or examples of good practice.</a:t>
-            </a:r>
+            <a:endParaRPr lang="en-IE" altLang="en-US" sz="1800" dirty="0">
+              <a:ea typeface="굴림" charset="-127"/>
+            </a:endParaRPr>
           </a:p>
           <a:p>
             <a:pPr>
@@ -6901,9 +9724,12 @@
                 <a:spcPct val="90000"/>
               </a:lnSpc>
             </a:pPr>
-            <a:endParaRPr lang="en-US" altLang="ko-KR" dirty="0">
-              <a:ea typeface="굴림" charset="-127"/>
-            </a:endParaRPr>
+            <a:r>
+              <a:rPr lang="en-IE" altLang="en-US" sz="1800" dirty="0">
+                <a:ea typeface="굴림" charset="-127"/>
+              </a:rPr>
+              <a:t>Blah...</a:t>
+            </a:r>
           </a:p>
           <a:p>
             <a:pPr>
@@ -6911,13 +9737,9 @@
                 <a:spcPct val="90000"/>
               </a:lnSpc>
             </a:pPr>
-            <a:r>
-              <a:rPr lang="ru-RU" altLang="ko-KR" dirty="0">
-                <a:ea typeface="굴림" charset="-127"/>
-              </a:rPr>
-              <a:t>Duis autem vel eum iriure dolor in hendrerit in vulputate velit esse molestie consequat, vel illum dolore eu feugiat nulla facilisis at vero eros et accumsan et iusto odio dignissim qui blandit praesent luptatum zzril delenit augue duis dolore te feugait nulla facilisi. </a:t>
-            </a:r>
-            <a:endParaRPr lang="uk-UA" altLang="en-US" dirty="0"/>
+            <a:endParaRPr lang="en-IE" altLang="en-US" sz="1800" dirty="0">
+              <a:ea typeface="굴림" charset="-127"/>
+            </a:endParaRPr>
           </a:p>
           <a:p>
             <a:pPr>
@@ -6925,20 +9747,100 @@
                 <a:spcPct val="90000"/>
               </a:lnSpc>
             </a:pPr>
-            <a:endParaRPr lang="en-US" altLang="en-US" dirty="0"/>
+            <a:r>
+              <a:rPr lang="en-GB" sz="1800" dirty="0"/>
+              <a:t>Slide .. Highlighting any areas for concern or examples of good practice.</a:t>
+            </a:r>
+          </a:p>
+          <a:p>
+            <a:pPr>
+              <a:lnSpc>
+                <a:spcPct val="90000"/>
+              </a:lnSpc>
+            </a:pPr>
+            <a:endParaRPr lang="en-IE" altLang="en-US" sz="1800" dirty="0">
+              <a:ea typeface="굴림" charset="-127"/>
+            </a:endParaRPr>
+          </a:p>
+          <a:p>
+            <a:pPr>
+              <a:lnSpc>
+                <a:spcPct val="90000"/>
+              </a:lnSpc>
+            </a:pPr>
+            <a:endParaRPr lang="en-IE" altLang="en-US" sz="1800" dirty="0">
+              <a:ea typeface="굴림" charset="-127"/>
+            </a:endParaRPr>
+          </a:p>
+          <a:p>
+            <a:pPr marL="0" indent="0">
+              <a:lnSpc>
+                <a:spcPct val="90000"/>
+              </a:lnSpc>
+              <a:buNone/>
+            </a:pPr>
+            <a:endParaRPr lang="uk-UA" altLang="en-US" sz="1800" dirty="0"/>
+          </a:p>
+          <a:p>
+            <a:pPr marL="0" indent="0">
+              <a:lnSpc>
+                <a:spcPct val="90000"/>
+              </a:lnSpc>
+              <a:buNone/>
+            </a:pPr>
+            <a:endParaRPr lang="en-US" altLang="en-US" sz="1800" dirty="0"/>
           </a:p>
         </p:txBody>
       </p:sp>
+      <p:pic>
+        <p:nvPicPr>
+          <p:cNvPr id="5" name="Picture 4" descr="Icon&#10;&#10;Description automatically generated with low confidence">
+            <a:extLst>
+              <a:ext uri="{FF2B5EF4-FFF2-40B4-BE49-F238E27FC236}">
+                <a16:creationId xmlns:a16="http://schemas.microsoft.com/office/drawing/2014/main" id="{FE835A60-3339-4D4E-A72D-5F60BDF9BF00}"/>
+              </a:ext>
+            </a:extLst>
+          </p:cNvPr>
+          <p:cNvPicPr>
+            <a:picLocks noChangeAspect="1"/>
+          </p:cNvPicPr>
+          <p:nvPr/>
+        </p:nvPicPr>
+        <p:blipFill>
+          <a:blip r:embed="rId2">
+            <a:extLst>
+              <a:ext uri="{28A0092B-C50C-407E-A947-70E740481C1C}">
+                <a14:useLocalDpi xmlns:a14="http://schemas.microsoft.com/office/drawing/2010/main" val="0"/>
+              </a:ext>
+            </a:extLst>
+          </a:blip>
+          <a:stretch>
+            <a:fillRect/>
+          </a:stretch>
+        </p:blipFill>
+        <p:spPr>
+          <a:xfrm>
+            <a:off x="2051718" y="836712"/>
+            <a:ext cx="6911975" cy="936104"/>
+          </a:xfrm>
+          <a:prstGeom prst="rect">
+            <a:avLst/>
+          </a:prstGeom>
+        </p:spPr>
+      </p:pic>
     </p:spTree>
     <p:extLst>
       <p:ext uri="{BB962C8B-B14F-4D97-AF65-F5344CB8AC3E}">
-        <p14:creationId xmlns:p14="http://schemas.microsoft.com/office/powerpoint/2010/main" val="4143625492"/>
+        <p14:creationId xmlns:p14="http://schemas.microsoft.com/office/powerpoint/2010/main" val="1801763196"/>
       </p:ext>
     </p:extLst>
   </p:cSld>
   <p:clrMapOvr>
     <a:masterClrMapping/>
   </p:clrMapOvr>
+  <p:transition spd="slow">
+    <p:fade/>
+  </p:transition>
 </p:sld>
 </file>
 
@@ -6971,7 +9873,7 @@
         </p:nvSpPr>
         <p:spPr>
           <a:xfrm>
-            <a:off x="1918925" y="1124744"/>
+            <a:off x="1934723" y="152636"/>
             <a:ext cx="6911975" cy="777875"/>
           </a:xfrm>
         </p:spPr>
@@ -6980,8 +9882,8 @@
           <a:lstStyle/>
           <a:p>
             <a:r>
-              <a:rPr lang="en-GB" dirty="0"/>
-              <a:t>Conduct desk research to identify and critically evaluate publicly available information on the company’s approach to data governance, data privacy and data ethics. </a:t>
+              <a:rPr lang="en-GB"/>
+              <a:t>BAE Digital Intelligence NetReveal</a:t>
             </a:r>
             <a:endParaRPr lang="en-US" altLang="en-US" dirty="0"/>
           </a:p>
@@ -6989,33 +9891,248 @@
       </p:sp>
       <p:sp>
         <p:nvSpPr>
-          <p:cNvPr id="195587" name="Rectangle 3"/>
-          <p:cNvSpPr>
-            <a:spLocks noGrp="1" noChangeArrowheads="1"/>
+          <p:cNvPr id="6" name="Rectangle 3">
+            <a:extLst>
+              <a:ext uri="{FF2B5EF4-FFF2-40B4-BE49-F238E27FC236}">
+                <a16:creationId xmlns:a16="http://schemas.microsoft.com/office/drawing/2014/main" id="{232DFA49-7D4F-4AEA-82DE-BCC12841DACA}"/>
+              </a:ext>
+            </a:extLst>
+          </p:cNvPr>
+          <p:cNvSpPr txBox="1">
+            <a:spLocks noChangeArrowheads="1"/>
           </p:cNvSpPr>
-          <p:nvPr>
-            <p:ph type="body" idx="1"/>
-          </p:nvPr>
+          <p:nvPr/>
         </p:nvSpPr>
-        <p:spPr>
+        <p:spPr bwMode="auto">
           <a:xfrm>
-            <a:off x="1918926" y="4221088"/>
-            <a:ext cx="6911975" cy="2447602"/>
+            <a:off x="2051719" y="1844824"/>
+            <a:ext cx="6911974" cy="2088232"/>
           </a:xfrm>
+          <a:prstGeom prst="rect">
+            <a:avLst/>
+          </a:prstGeom>
+          <a:noFill/>
+          <a:ln>
+            <a:noFill/>
+          </a:ln>
+          <a:effectLst/>
+          <a:extLst>
+            <a:ext uri="{909E8E84-426E-40DD-AFC4-6F175D3DCCD1}">
+              <a14:hiddenFill xmlns:a14="http://schemas.microsoft.com/office/drawing/2010/main">
+                <a:solidFill>
+                  <a:schemeClr val="accent1"/>
+                </a:solidFill>
+              </a14:hiddenFill>
+            </a:ext>
+            <a:ext uri="{91240B29-F687-4F45-9708-019B960494DF}">
+              <a14:hiddenLine xmlns:a14="http://schemas.microsoft.com/office/drawing/2010/main" w="9525">
+                <a:solidFill>
+                  <a:schemeClr val="tx1"/>
+                </a:solidFill>
+                <a:miter lim="800000"/>
+                <a:headEnd/>
+                <a:tailEnd/>
+              </a14:hiddenLine>
+            </a:ext>
+            <a:ext uri="{AF507438-7753-43E0-B8FC-AC1667EBCBE1}">
+              <a14:hiddenEffects xmlns:a14="http://schemas.microsoft.com/office/drawing/2010/main">
+                <a:effectLst>
+                  <a:outerShdw dist="35921" dir="2700000" algn="ctr" rotWithShape="0">
+                    <a:schemeClr val="bg2"/>
+                  </a:outerShdw>
+                </a:effectLst>
+              </a14:hiddenEffects>
+            </a:ext>
+          </a:extLst>
         </p:spPr>
         <p:txBody>
-          <a:bodyPr/>
-          <a:lstStyle/>
+          <a:bodyPr vert="horz" wrap="square" lIns="91440" tIns="45720" rIns="91440" bIns="45720" numCol="1" anchor="t" anchorCtr="0" compatLnSpc="1">
+            <a:prstTxWarp prst="textNoShape">
+              <a:avLst/>
+            </a:prstTxWarp>
+          </a:bodyPr>
+          <a:lstStyle>
+            <a:lvl1pPr marL="342900" indent="-342900" algn="l" rtl="0" fontAlgn="base">
+              <a:spcBef>
+                <a:spcPct val="20000"/>
+              </a:spcBef>
+              <a:spcAft>
+                <a:spcPct val="0"/>
+              </a:spcAft>
+              <a:buChar char="•"/>
+              <a:defRPr sz="2000" kern="1200">
+                <a:solidFill>
+                  <a:srgbClr val="666666"/>
+                </a:solidFill>
+                <a:latin typeface="+mn-lt"/>
+                <a:ea typeface="+mn-ea"/>
+                <a:cs typeface="+mn-cs"/>
+              </a:defRPr>
+            </a:lvl1pPr>
+            <a:lvl2pPr marL="742950" indent="-285750" algn="l" rtl="0" fontAlgn="base">
+              <a:spcBef>
+                <a:spcPct val="20000"/>
+              </a:spcBef>
+              <a:spcAft>
+                <a:spcPct val="0"/>
+              </a:spcAft>
+              <a:buChar char="–"/>
+              <a:defRPr sz="2000" kern="1200">
+                <a:solidFill>
+                  <a:srgbClr val="666666"/>
+                </a:solidFill>
+                <a:latin typeface="+mn-lt"/>
+                <a:ea typeface="+mn-ea"/>
+                <a:cs typeface="+mn-cs"/>
+              </a:defRPr>
+            </a:lvl2pPr>
+            <a:lvl3pPr marL="1143000" indent="-228600" algn="l" rtl="0" fontAlgn="base">
+              <a:spcBef>
+                <a:spcPct val="20000"/>
+              </a:spcBef>
+              <a:spcAft>
+                <a:spcPct val="0"/>
+              </a:spcAft>
+              <a:buChar char="•"/>
+              <a:defRPr sz="2000" kern="1200">
+                <a:solidFill>
+                  <a:srgbClr val="666666"/>
+                </a:solidFill>
+                <a:latin typeface="+mn-lt"/>
+                <a:ea typeface="+mn-ea"/>
+                <a:cs typeface="+mn-cs"/>
+              </a:defRPr>
+            </a:lvl3pPr>
+            <a:lvl4pPr marL="1600200" indent="-228600" algn="l" rtl="0" fontAlgn="base">
+              <a:spcBef>
+                <a:spcPct val="20000"/>
+              </a:spcBef>
+              <a:spcAft>
+                <a:spcPct val="0"/>
+              </a:spcAft>
+              <a:buChar char="–"/>
+              <a:defRPr sz="2000" kern="1200">
+                <a:solidFill>
+                  <a:srgbClr val="666666"/>
+                </a:solidFill>
+                <a:latin typeface="+mn-lt"/>
+                <a:ea typeface="+mn-ea"/>
+                <a:cs typeface="+mn-cs"/>
+              </a:defRPr>
+            </a:lvl4pPr>
+            <a:lvl5pPr marL="2057400" indent="-228600" algn="l" rtl="0" fontAlgn="base">
+              <a:spcBef>
+                <a:spcPct val="20000"/>
+              </a:spcBef>
+              <a:spcAft>
+                <a:spcPct val="0"/>
+              </a:spcAft>
+              <a:buChar char="»"/>
+              <a:defRPr sz="2000" kern="1200">
+                <a:solidFill>
+                  <a:srgbClr val="666666"/>
+                </a:solidFill>
+                <a:latin typeface="+mn-lt"/>
+                <a:ea typeface="+mn-ea"/>
+                <a:cs typeface="+mn-cs"/>
+              </a:defRPr>
+            </a:lvl5pPr>
+            <a:lvl6pPr marL="2514600" indent="-228600" algn="l" defTabSz="914400" rtl="0" eaLnBrk="1" latinLnBrk="0" hangingPunct="1">
+              <a:lnSpc>
+                <a:spcPct val="90000"/>
+              </a:lnSpc>
+              <a:spcBef>
+                <a:spcPts val="500"/>
+              </a:spcBef>
+              <a:buFont typeface="Arial" panose="020B0604020202020204" pitchFamily="34" charset="0"/>
+              <a:buChar char="•"/>
+              <a:defRPr sz="1800" kern="1200">
+                <a:solidFill>
+                  <a:schemeClr val="tx1"/>
+                </a:solidFill>
+                <a:latin typeface="+mn-lt"/>
+                <a:ea typeface="+mn-ea"/>
+                <a:cs typeface="+mn-cs"/>
+              </a:defRPr>
+            </a:lvl6pPr>
+            <a:lvl7pPr marL="2971800" indent="-228600" algn="l" defTabSz="914400" rtl="0" eaLnBrk="1" latinLnBrk="0" hangingPunct="1">
+              <a:lnSpc>
+                <a:spcPct val="90000"/>
+              </a:lnSpc>
+              <a:spcBef>
+                <a:spcPts val="500"/>
+              </a:spcBef>
+              <a:buFont typeface="Arial" panose="020B0604020202020204" pitchFamily="34" charset="0"/>
+              <a:buChar char="•"/>
+              <a:defRPr sz="1800" kern="1200">
+                <a:solidFill>
+                  <a:schemeClr val="tx1"/>
+                </a:solidFill>
+                <a:latin typeface="+mn-lt"/>
+                <a:ea typeface="+mn-ea"/>
+                <a:cs typeface="+mn-cs"/>
+              </a:defRPr>
+            </a:lvl7pPr>
+            <a:lvl8pPr marL="3429000" indent="-228600" algn="l" defTabSz="914400" rtl="0" eaLnBrk="1" latinLnBrk="0" hangingPunct="1">
+              <a:lnSpc>
+                <a:spcPct val="90000"/>
+              </a:lnSpc>
+              <a:spcBef>
+                <a:spcPts val="500"/>
+              </a:spcBef>
+              <a:buFont typeface="Arial" panose="020B0604020202020204" pitchFamily="34" charset="0"/>
+              <a:buChar char="•"/>
+              <a:defRPr sz="1800" kern="1200">
+                <a:solidFill>
+                  <a:schemeClr val="tx1"/>
+                </a:solidFill>
+                <a:latin typeface="+mn-lt"/>
+                <a:ea typeface="+mn-ea"/>
+                <a:cs typeface="+mn-cs"/>
+              </a:defRPr>
+            </a:lvl8pPr>
+            <a:lvl9pPr marL="3886200" indent="-228600" algn="l" defTabSz="914400" rtl="0" eaLnBrk="1" latinLnBrk="0" hangingPunct="1">
+              <a:lnSpc>
+                <a:spcPct val="90000"/>
+              </a:lnSpc>
+              <a:spcBef>
+                <a:spcPts val="500"/>
+              </a:spcBef>
+              <a:buFont typeface="Arial" panose="020B0604020202020204" pitchFamily="34" charset="0"/>
+              <a:buChar char="•"/>
+              <a:defRPr sz="1800" kern="1200">
+                <a:solidFill>
+                  <a:schemeClr val="tx1"/>
+                </a:solidFill>
+                <a:latin typeface="+mn-lt"/>
+                <a:ea typeface="+mn-ea"/>
+                <a:cs typeface="+mn-cs"/>
+              </a:defRPr>
+            </a:lvl9pPr>
+          </a:lstStyle>
+          <a:p>
+            <a:pPr marL="0" indent="0">
+              <a:lnSpc>
+                <a:spcPct val="90000"/>
+              </a:lnSpc>
+              <a:buNone/>
+            </a:pPr>
+            <a:r>
+              <a:rPr lang="en-IE" altLang="en-US" b="1" dirty="0">
+                <a:ea typeface="굴림" charset="-127"/>
+              </a:rPr>
+              <a:t>Data Privacy</a:t>
+            </a:r>
+          </a:p>
           <a:p>
             <a:pPr>
               <a:lnSpc>
                 <a:spcPct val="90000"/>
               </a:lnSpc>
             </a:pPr>
-            <a:r>
-              <a:rPr lang="en-GB" dirty="0"/>
-              <a:t>Slide 3. Highlighting any areas for concern or examples of good practice.</a:t>
-            </a:r>
+            <a:endParaRPr lang="en-IE" altLang="en-US" sz="1800" dirty="0">
+              <a:ea typeface="굴림" charset="-127"/>
+            </a:endParaRPr>
           </a:p>
           <a:p>
             <a:pPr>
@@ -7023,9 +10140,12 @@
                 <a:spcPct val="90000"/>
               </a:lnSpc>
             </a:pPr>
-            <a:endParaRPr lang="en-US" altLang="ko-KR" dirty="0">
-              <a:ea typeface="굴림" charset="-127"/>
-            </a:endParaRPr>
+            <a:r>
+              <a:rPr lang="en-IE" altLang="en-US" sz="1800" dirty="0">
+                <a:ea typeface="굴림" charset="-127"/>
+              </a:rPr>
+              <a:t>Blah...</a:t>
+            </a:r>
           </a:p>
           <a:p>
             <a:pPr>
@@ -7033,19 +10153,9 @@
                 <a:spcPct val="90000"/>
               </a:lnSpc>
             </a:pPr>
-            <a:r>
-              <a:rPr lang="en-IE" altLang="ko-KR">
-                <a:ea typeface="굴림" charset="-127"/>
-              </a:rPr>
-              <a:t>Final conclusions..</a:t>
-            </a:r>
-            <a:r>
-              <a:rPr lang="ru-RU" altLang="ko-KR">
-                <a:ea typeface="굴림" charset="-127"/>
-              </a:rPr>
-              <a:t>. </a:t>
-            </a:r>
-            <a:endParaRPr lang="uk-UA" altLang="en-US" dirty="0"/>
+            <a:endParaRPr lang="en-IE" altLang="en-US" sz="1800" dirty="0">
+              <a:ea typeface="굴림" charset="-127"/>
+            </a:endParaRPr>
           </a:p>
           <a:p>
             <a:pPr>
@@ -7053,20 +10163,516 @@
                 <a:spcPct val="90000"/>
               </a:lnSpc>
             </a:pPr>
-            <a:endParaRPr lang="en-US" altLang="en-US" dirty="0"/>
+            <a:r>
+              <a:rPr lang="en-GB" sz="1800" dirty="0"/>
+              <a:t>Slide .. Highlighting any areas for concern or examples of good practice.</a:t>
+            </a:r>
+          </a:p>
+          <a:p>
+            <a:pPr>
+              <a:lnSpc>
+                <a:spcPct val="90000"/>
+              </a:lnSpc>
+            </a:pPr>
+            <a:endParaRPr lang="en-IE" altLang="en-US" sz="1800" dirty="0">
+              <a:ea typeface="굴림" charset="-127"/>
+            </a:endParaRPr>
+          </a:p>
+          <a:p>
+            <a:pPr>
+              <a:lnSpc>
+                <a:spcPct val="90000"/>
+              </a:lnSpc>
+            </a:pPr>
+            <a:endParaRPr lang="en-IE" altLang="en-US" sz="1800" dirty="0">
+              <a:ea typeface="굴림" charset="-127"/>
+            </a:endParaRPr>
+          </a:p>
+          <a:p>
+            <a:pPr marL="0" indent="0">
+              <a:lnSpc>
+                <a:spcPct val="90000"/>
+              </a:lnSpc>
+              <a:buNone/>
+            </a:pPr>
+            <a:endParaRPr lang="uk-UA" altLang="en-US" sz="1800" dirty="0"/>
+          </a:p>
+          <a:p>
+            <a:pPr marL="0" indent="0">
+              <a:lnSpc>
+                <a:spcPct val="90000"/>
+              </a:lnSpc>
+              <a:buNone/>
+            </a:pPr>
+            <a:endParaRPr lang="en-US" altLang="en-US" sz="1800" dirty="0"/>
           </a:p>
         </p:txBody>
       </p:sp>
+      <p:pic>
+        <p:nvPicPr>
+          <p:cNvPr id="5" name="Picture 4" descr="Icon&#10;&#10;Description automatically generated with low confidence">
+            <a:extLst>
+              <a:ext uri="{FF2B5EF4-FFF2-40B4-BE49-F238E27FC236}">
+                <a16:creationId xmlns:a16="http://schemas.microsoft.com/office/drawing/2014/main" id="{FE835A60-3339-4D4E-A72D-5F60BDF9BF00}"/>
+              </a:ext>
+            </a:extLst>
+          </p:cNvPr>
+          <p:cNvPicPr>
+            <a:picLocks noChangeAspect="1"/>
+          </p:cNvPicPr>
+          <p:nvPr/>
+        </p:nvPicPr>
+        <p:blipFill>
+          <a:blip r:embed="rId2">
+            <a:extLst>
+              <a:ext uri="{28A0092B-C50C-407E-A947-70E740481C1C}">
+                <a14:useLocalDpi xmlns:a14="http://schemas.microsoft.com/office/drawing/2010/main" val="0"/>
+              </a:ext>
+            </a:extLst>
+          </a:blip>
+          <a:stretch>
+            <a:fillRect/>
+          </a:stretch>
+        </p:blipFill>
+        <p:spPr>
+          <a:xfrm>
+            <a:off x="2051718" y="836712"/>
+            <a:ext cx="6911975" cy="936104"/>
+          </a:xfrm>
+          <a:prstGeom prst="rect">
+            <a:avLst/>
+          </a:prstGeom>
+        </p:spPr>
+      </p:pic>
     </p:spTree>
     <p:extLst>
       <p:ext uri="{BB962C8B-B14F-4D97-AF65-F5344CB8AC3E}">
-        <p14:creationId xmlns:p14="http://schemas.microsoft.com/office/powerpoint/2010/main" val="3194091033"/>
+        <p14:creationId xmlns:p14="http://schemas.microsoft.com/office/powerpoint/2010/main" val="1735829125"/>
       </p:ext>
     </p:extLst>
   </p:cSld>
   <p:clrMapOvr>
     <a:masterClrMapping/>
   </p:clrMapOvr>
+  <p:transition spd="slow">
+    <p:fade/>
+  </p:transition>
+</p:sld>
+</file>
+
+<file path=ppt/slides/slide9.xml><?xml version="1.0" encoding="utf-8"?>
+<p:sld xmlns:a="http://schemas.openxmlformats.org/drawingml/2006/main" xmlns:r="http://schemas.openxmlformats.org/officeDocument/2006/relationships" xmlns:p="http://schemas.openxmlformats.org/presentationml/2006/main">
+  <p:cSld>
+    <p:spTree>
+      <p:nvGrpSpPr>
+        <p:cNvPr id="1" name=""/>
+        <p:cNvGrpSpPr/>
+        <p:nvPr/>
+      </p:nvGrpSpPr>
+      <p:grpSpPr>
+        <a:xfrm>
+          <a:off x="0" y="0"/>
+          <a:ext cx="0" cy="0"/>
+          <a:chOff x="0" y="0"/>
+          <a:chExt cx="0" cy="0"/>
+        </a:xfrm>
+      </p:grpSpPr>
+      <p:sp>
+        <p:nvSpPr>
+          <p:cNvPr id="195586" name="Rectangle 2"/>
+          <p:cNvSpPr>
+            <a:spLocks noGrp="1" noChangeArrowheads="1"/>
+          </p:cNvSpPr>
+          <p:nvPr>
+            <p:ph type="title"/>
+          </p:nvPr>
+        </p:nvSpPr>
+        <p:spPr>
+          <a:xfrm>
+            <a:off x="1934723" y="152636"/>
+            <a:ext cx="6911975" cy="777875"/>
+          </a:xfrm>
+        </p:spPr>
+        <p:txBody>
+          <a:bodyPr/>
+          <a:lstStyle/>
+          <a:p>
+            <a:r>
+              <a:rPr lang="en-GB"/>
+              <a:t>BAE Digital Intelligence NetReveal</a:t>
+            </a:r>
+            <a:endParaRPr lang="en-US" altLang="en-US" dirty="0"/>
+          </a:p>
+        </p:txBody>
+      </p:sp>
+      <p:sp>
+        <p:nvSpPr>
+          <p:cNvPr id="6" name="Rectangle 3">
+            <a:extLst>
+              <a:ext uri="{FF2B5EF4-FFF2-40B4-BE49-F238E27FC236}">
+                <a16:creationId xmlns:a16="http://schemas.microsoft.com/office/drawing/2014/main" id="{232DFA49-7D4F-4AEA-82DE-BCC12841DACA}"/>
+              </a:ext>
+            </a:extLst>
+          </p:cNvPr>
+          <p:cNvSpPr txBox="1">
+            <a:spLocks noChangeArrowheads="1"/>
+          </p:cNvSpPr>
+          <p:nvPr/>
+        </p:nvSpPr>
+        <p:spPr bwMode="auto">
+          <a:xfrm>
+            <a:off x="2051719" y="1844824"/>
+            <a:ext cx="6911974" cy="2088232"/>
+          </a:xfrm>
+          <a:prstGeom prst="rect">
+            <a:avLst/>
+          </a:prstGeom>
+          <a:noFill/>
+          <a:ln>
+            <a:noFill/>
+          </a:ln>
+          <a:effectLst/>
+          <a:extLst>
+            <a:ext uri="{909E8E84-426E-40DD-AFC4-6F175D3DCCD1}">
+              <a14:hiddenFill xmlns:a14="http://schemas.microsoft.com/office/drawing/2010/main">
+                <a:solidFill>
+                  <a:schemeClr val="accent1"/>
+                </a:solidFill>
+              </a14:hiddenFill>
+            </a:ext>
+            <a:ext uri="{91240B29-F687-4F45-9708-019B960494DF}">
+              <a14:hiddenLine xmlns:a14="http://schemas.microsoft.com/office/drawing/2010/main" w="9525">
+                <a:solidFill>
+                  <a:schemeClr val="tx1"/>
+                </a:solidFill>
+                <a:miter lim="800000"/>
+                <a:headEnd/>
+                <a:tailEnd/>
+              </a14:hiddenLine>
+            </a:ext>
+            <a:ext uri="{AF507438-7753-43E0-B8FC-AC1667EBCBE1}">
+              <a14:hiddenEffects xmlns:a14="http://schemas.microsoft.com/office/drawing/2010/main">
+                <a:effectLst>
+                  <a:outerShdw dist="35921" dir="2700000" algn="ctr" rotWithShape="0">
+                    <a:schemeClr val="bg2"/>
+                  </a:outerShdw>
+                </a:effectLst>
+              </a14:hiddenEffects>
+            </a:ext>
+          </a:extLst>
+        </p:spPr>
+        <p:txBody>
+          <a:bodyPr vert="horz" wrap="square" lIns="91440" tIns="45720" rIns="91440" bIns="45720" numCol="1" anchor="t" anchorCtr="0" compatLnSpc="1">
+            <a:prstTxWarp prst="textNoShape">
+              <a:avLst/>
+            </a:prstTxWarp>
+          </a:bodyPr>
+          <a:lstStyle>
+            <a:lvl1pPr marL="342900" indent="-342900" algn="l" rtl="0" fontAlgn="base">
+              <a:spcBef>
+                <a:spcPct val="20000"/>
+              </a:spcBef>
+              <a:spcAft>
+                <a:spcPct val="0"/>
+              </a:spcAft>
+              <a:buChar char="•"/>
+              <a:defRPr sz="2000" kern="1200">
+                <a:solidFill>
+                  <a:srgbClr val="666666"/>
+                </a:solidFill>
+                <a:latin typeface="+mn-lt"/>
+                <a:ea typeface="+mn-ea"/>
+                <a:cs typeface="+mn-cs"/>
+              </a:defRPr>
+            </a:lvl1pPr>
+            <a:lvl2pPr marL="742950" indent="-285750" algn="l" rtl="0" fontAlgn="base">
+              <a:spcBef>
+                <a:spcPct val="20000"/>
+              </a:spcBef>
+              <a:spcAft>
+                <a:spcPct val="0"/>
+              </a:spcAft>
+              <a:buChar char="–"/>
+              <a:defRPr sz="2000" kern="1200">
+                <a:solidFill>
+                  <a:srgbClr val="666666"/>
+                </a:solidFill>
+                <a:latin typeface="+mn-lt"/>
+                <a:ea typeface="+mn-ea"/>
+                <a:cs typeface="+mn-cs"/>
+              </a:defRPr>
+            </a:lvl2pPr>
+            <a:lvl3pPr marL="1143000" indent="-228600" algn="l" rtl="0" fontAlgn="base">
+              <a:spcBef>
+                <a:spcPct val="20000"/>
+              </a:spcBef>
+              <a:spcAft>
+                <a:spcPct val="0"/>
+              </a:spcAft>
+              <a:buChar char="•"/>
+              <a:defRPr sz="2000" kern="1200">
+                <a:solidFill>
+                  <a:srgbClr val="666666"/>
+                </a:solidFill>
+                <a:latin typeface="+mn-lt"/>
+                <a:ea typeface="+mn-ea"/>
+                <a:cs typeface="+mn-cs"/>
+              </a:defRPr>
+            </a:lvl3pPr>
+            <a:lvl4pPr marL="1600200" indent="-228600" algn="l" rtl="0" fontAlgn="base">
+              <a:spcBef>
+                <a:spcPct val="20000"/>
+              </a:spcBef>
+              <a:spcAft>
+                <a:spcPct val="0"/>
+              </a:spcAft>
+              <a:buChar char="–"/>
+              <a:defRPr sz="2000" kern="1200">
+                <a:solidFill>
+                  <a:srgbClr val="666666"/>
+                </a:solidFill>
+                <a:latin typeface="+mn-lt"/>
+                <a:ea typeface="+mn-ea"/>
+                <a:cs typeface="+mn-cs"/>
+              </a:defRPr>
+            </a:lvl4pPr>
+            <a:lvl5pPr marL="2057400" indent="-228600" algn="l" rtl="0" fontAlgn="base">
+              <a:spcBef>
+                <a:spcPct val="20000"/>
+              </a:spcBef>
+              <a:spcAft>
+                <a:spcPct val="0"/>
+              </a:spcAft>
+              <a:buChar char="»"/>
+              <a:defRPr sz="2000" kern="1200">
+                <a:solidFill>
+                  <a:srgbClr val="666666"/>
+                </a:solidFill>
+                <a:latin typeface="+mn-lt"/>
+                <a:ea typeface="+mn-ea"/>
+                <a:cs typeface="+mn-cs"/>
+              </a:defRPr>
+            </a:lvl5pPr>
+            <a:lvl6pPr marL="2514600" indent="-228600" algn="l" defTabSz="914400" rtl="0" eaLnBrk="1" latinLnBrk="0" hangingPunct="1">
+              <a:lnSpc>
+                <a:spcPct val="90000"/>
+              </a:lnSpc>
+              <a:spcBef>
+                <a:spcPts val="500"/>
+              </a:spcBef>
+              <a:buFont typeface="Arial" panose="020B0604020202020204" pitchFamily="34" charset="0"/>
+              <a:buChar char="•"/>
+              <a:defRPr sz="1800" kern="1200">
+                <a:solidFill>
+                  <a:schemeClr val="tx1"/>
+                </a:solidFill>
+                <a:latin typeface="+mn-lt"/>
+                <a:ea typeface="+mn-ea"/>
+                <a:cs typeface="+mn-cs"/>
+              </a:defRPr>
+            </a:lvl6pPr>
+            <a:lvl7pPr marL="2971800" indent="-228600" algn="l" defTabSz="914400" rtl="0" eaLnBrk="1" latinLnBrk="0" hangingPunct="1">
+              <a:lnSpc>
+                <a:spcPct val="90000"/>
+              </a:lnSpc>
+              <a:spcBef>
+                <a:spcPts val="500"/>
+              </a:spcBef>
+              <a:buFont typeface="Arial" panose="020B0604020202020204" pitchFamily="34" charset="0"/>
+              <a:buChar char="•"/>
+              <a:defRPr sz="1800" kern="1200">
+                <a:solidFill>
+                  <a:schemeClr val="tx1"/>
+                </a:solidFill>
+                <a:latin typeface="+mn-lt"/>
+                <a:ea typeface="+mn-ea"/>
+                <a:cs typeface="+mn-cs"/>
+              </a:defRPr>
+            </a:lvl7pPr>
+            <a:lvl8pPr marL="3429000" indent="-228600" algn="l" defTabSz="914400" rtl="0" eaLnBrk="1" latinLnBrk="0" hangingPunct="1">
+              <a:lnSpc>
+                <a:spcPct val="90000"/>
+              </a:lnSpc>
+              <a:spcBef>
+                <a:spcPts val="500"/>
+              </a:spcBef>
+              <a:buFont typeface="Arial" panose="020B0604020202020204" pitchFamily="34" charset="0"/>
+              <a:buChar char="•"/>
+              <a:defRPr sz="1800" kern="1200">
+                <a:solidFill>
+                  <a:schemeClr val="tx1"/>
+                </a:solidFill>
+                <a:latin typeface="+mn-lt"/>
+                <a:ea typeface="+mn-ea"/>
+                <a:cs typeface="+mn-cs"/>
+              </a:defRPr>
+            </a:lvl8pPr>
+            <a:lvl9pPr marL="3886200" indent="-228600" algn="l" defTabSz="914400" rtl="0" eaLnBrk="1" latinLnBrk="0" hangingPunct="1">
+              <a:lnSpc>
+                <a:spcPct val="90000"/>
+              </a:lnSpc>
+              <a:spcBef>
+                <a:spcPts val="500"/>
+              </a:spcBef>
+              <a:buFont typeface="Arial" panose="020B0604020202020204" pitchFamily="34" charset="0"/>
+              <a:buChar char="•"/>
+              <a:defRPr sz="1800" kern="1200">
+                <a:solidFill>
+                  <a:schemeClr val="tx1"/>
+                </a:solidFill>
+                <a:latin typeface="+mn-lt"/>
+                <a:ea typeface="+mn-ea"/>
+                <a:cs typeface="+mn-cs"/>
+              </a:defRPr>
+            </a:lvl9pPr>
+          </a:lstStyle>
+          <a:p>
+            <a:pPr marL="0" indent="0">
+              <a:lnSpc>
+                <a:spcPct val="90000"/>
+              </a:lnSpc>
+              <a:buNone/>
+            </a:pPr>
+            <a:r>
+              <a:rPr lang="en-IE" altLang="en-US" b="1" dirty="0">
+                <a:ea typeface="굴림" charset="-127"/>
+              </a:rPr>
+              <a:t>Data Ethics</a:t>
+            </a:r>
+          </a:p>
+          <a:p>
+            <a:pPr>
+              <a:lnSpc>
+                <a:spcPct val="90000"/>
+              </a:lnSpc>
+            </a:pPr>
+            <a:endParaRPr lang="en-IE" altLang="en-US" sz="1800" dirty="0">
+              <a:ea typeface="굴림" charset="-127"/>
+            </a:endParaRPr>
+          </a:p>
+          <a:p>
+            <a:pPr>
+              <a:lnSpc>
+                <a:spcPct val="90000"/>
+              </a:lnSpc>
+            </a:pPr>
+            <a:r>
+              <a:rPr lang="en-IE" altLang="en-US" sz="1800" dirty="0">
+                <a:ea typeface="굴림" charset="-127"/>
+              </a:rPr>
+              <a:t>Blah...</a:t>
+            </a:r>
+          </a:p>
+          <a:p>
+            <a:pPr>
+              <a:lnSpc>
+                <a:spcPct val="90000"/>
+              </a:lnSpc>
+            </a:pPr>
+            <a:endParaRPr lang="en-IE" altLang="en-US" sz="1800" dirty="0">
+              <a:ea typeface="굴림" charset="-127"/>
+            </a:endParaRPr>
+          </a:p>
+          <a:p>
+            <a:pPr>
+              <a:lnSpc>
+                <a:spcPct val="90000"/>
+              </a:lnSpc>
+            </a:pPr>
+            <a:r>
+              <a:rPr lang="en-GB" sz="1800" dirty="0"/>
+              <a:t>Slide .. Highlighting any areas for concern or examples of good practice.</a:t>
+            </a:r>
+          </a:p>
+          <a:p>
+            <a:pPr>
+              <a:lnSpc>
+                <a:spcPct val="90000"/>
+              </a:lnSpc>
+            </a:pPr>
+            <a:endParaRPr lang="en-IE" altLang="en-US" sz="1800" dirty="0">
+              <a:ea typeface="굴림" charset="-127"/>
+            </a:endParaRPr>
+          </a:p>
+          <a:p>
+            <a:pPr>
+              <a:lnSpc>
+                <a:spcPct val="90000"/>
+              </a:lnSpc>
+            </a:pPr>
+            <a:endParaRPr lang="en-IE" altLang="en-US" sz="1800" dirty="0">
+              <a:ea typeface="굴림" charset="-127"/>
+            </a:endParaRPr>
+          </a:p>
+          <a:p>
+            <a:pPr marL="0" indent="0">
+              <a:lnSpc>
+                <a:spcPct val="90000"/>
+              </a:lnSpc>
+              <a:buNone/>
+            </a:pPr>
+            <a:endParaRPr lang="uk-UA" altLang="en-US" sz="1800" dirty="0"/>
+          </a:p>
+          <a:p>
+            <a:pPr marL="0" indent="0">
+              <a:lnSpc>
+                <a:spcPct val="90000"/>
+              </a:lnSpc>
+              <a:buNone/>
+            </a:pPr>
+            <a:endParaRPr lang="en-US" altLang="en-US" sz="1800" dirty="0"/>
+          </a:p>
+        </p:txBody>
+      </p:sp>
+      <p:pic>
+        <p:nvPicPr>
+          <p:cNvPr id="5" name="Picture 4" descr="Icon&#10;&#10;Description automatically generated with low confidence">
+            <a:extLst>
+              <a:ext uri="{FF2B5EF4-FFF2-40B4-BE49-F238E27FC236}">
+                <a16:creationId xmlns:a16="http://schemas.microsoft.com/office/drawing/2014/main" id="{FE835A60-3339-4D4E-A72D-5F60BDF9BF00}"/>
+              </a:ext>
+            </a:extLst>
+          </p:cNvPr>
+          <p:cNvPicPr>
+            <a:picLocks noChangeAspect="1"/>
+          </p:cNvPicPr>
+          <p:nvPr/>
+        </p:nvPicPr>
+        <p:blipFill>
+          <a:blip r:embed="rId2">
+            <a:extLst>
+              <a:ext uri="{28A0092B-C50C-407E-A947-70E740481C1C}">
+                <a14:useLocalDpi xmlns:a14="http://schemas.microsoft.com/office/drawing/2010/main" val="0"/>
+              </a:ext>
+            </a:extLst>
+          </a:blip>
+          <a:stretch>
+            <a:fillRect/>
+          </a:stretch>
+        </p:blipFill>
+        <p:spPr>
+          <a:xfrm>
+            <a:off x="2051718" y="836712"/>
+            <a:ext cx="6911975" cy="936104"/>
+          </a:xfrm>
+          <a:prstGeom prst="rect">
+            <a:avLst/>
+          </a:prstGeom>
+        </p:spPr>
+      </p:pic>
+    </p:spTree>
+    <p:extLst>
+      <p:ext uri="{BB962C8B-B14F-4D97-AF65-F5344CB8AC3E}">
+        <p14:creationId xmlns:p14="http://schemas.microsoft.com/office/powerpoint/2010/main" val="2277111939"/>
+      </p:ext>
+    </p:extLst>
+  </p:cSld>
+  <p:clrMapOvr>
+    <a:masterClrMapping/>
+  </p:clrMapOvr>
+  <p:transition spd="slow">
+    <p:fade/>
+  </p:transition>
 </p:sld>
 </file>
 
